--- a/calculator_gui.pptx
+++ b/calculator_gui.pptx
@@ -5,10 +5,10 @@
     <p:sldMasterId id="2147483660" r:id="rId1"/>
   </p:sldMasterIdLst>
   <p:notesMasterIdLst>
-    <p:notesMasterId r:id="rId16"/>
+    <p:notesMasterId r:id="rId14"/>
   </p:notesMasterIdLst>
   <p:handoutMasterIdLst>
-    <p:handoutMasterId r:id="rId17"/>
+    <p:handoutMasterId r:id="rId15"/>
   </p:handoutMasterIdLst>
   <p:sldIdLst>
     <p:sldId id="256" r:id="rId2"/>
@@ -23,8 +23,6 @@
     <p:sldId id="265" r:id="rId11"/>
     <p:sldId id="266" r:id="rId12"/>
     <p:sldId id="267" r:id="rId13"/>
-    <p:sldId id="268" r:id="rId14"/>
-    <p:sldId id="269" r:id="rId15"/>
   </p:sldIdLst>
   <p:sldSz cx="12192000" cy="6858000"/>
   <p:notesSz cx="6858000" cy="9144000"/>
@@ -5001,7 +4999,7 @@
         <p:spPr>
           <a:xfrm>
             <a:off x="1168400" y="653677"/>
-            <a:ext cx="10058400" cy="1077218"/>
+            <a:ext cx="10058400" cy="2785378"/>
           </a:xfrm>
           <a:prstGeom prst="rect">
             <a:avLst/>
@@ -5045,10 +5043,6 @@
               </a:rPr>
               <a:t>Project</a:t>
             </a:r>
-            <a:endParaRPr lang="en-US" dirty="0" smtClean="0">
-              <a:latin typeface="Khmer OS Muol Light" panose="02000500000000020004" pitchFamily="2" charset="0"/>
-              <a:cs typeface="Khmer OS Muol Light" panose="02000500000000020004" pitchFamily="2" charset="0"/>
-            </a:endParaRPr>
           </a:p>
           <a:p>
             <a:pPr indent="685800" algn="just">
@@ -5092,15 +5086,121 @@
                 <a:latin typeface="Khmer OS Battambang" panose="02000500000000020004" pitchFamily="2" charset="0"/>
                 <a:cs typeface="Khmer OS Battambang" panose="02000500000000020004" pitchFamily="2" charset="0"/>
               </a:rPr>
-              <a:t>ខាងក្រោម</a:t>
+              <a:t>ខាង</a:t>
+            </a:r>
+            <a:r>
+              <a:rPr lang="km-KH" dirty="0" smtClean="0">
+                <a:latin typeface="Khmer OS Battambang" panose="02000500000000020004" pitchFamily="2" charset="0"/>
+                <a:cs typeface="Khmer OS Battambang" panose="02000500000000020004" pitchFamily="2" charset="0"/>
+              </a:rPr>
+              <a:t>ក្រោម</a:t>
             </a:r>
             <a:endParaRPr lang="en-US" dirty="0" smtClean="0">
               <a:latin typeface="Khmer OS Battambang" panose="02000500000000020004" pitchFamily="2" charset="0"/>
               <a:cs typeface="Khmer OS Battambang" panose="02000500000000020004" pitchFamily="2" charset="0"/>
             </a:endParaRPr>
           </a:p>
-        </p:txBody>
-      </p:sp>
+          <a:p>
+            <a:pPr indent="685800" algn="just">
+              <a:lnSpc>
+                <a:spcPct val="150000"/>
+              </a:lnSpc>
+              <a:spcAft>
+                <a:spcPts val="1200"/>
+              </a:spcAft>
+            </a:pPr>
+            <a:r>
+              <a:rPr lang="en-US" dirty="0" smtClean="0">
+                <a:latin typeface="Khmer OS Battambang" panose="02000500000000020004" pitchFamily="2" charset="0"/>
+                <a:cs typeface="Khmer OS Battambang" panose="02000500000000020004" pitchFamily="2" charset="0"/>
+                <a:hlinkClick r:id="rId2"/>
+              </a:rPr>
+              <a:t>https://github.com/cpheaktra/CalculatorGUI/blob/main/calculator.py</a:t>
+            </a:r>
+            <a:endParaRPr lang="en-US" dirty="0" smtClean="0">
+              <a:latin typeface="Khmer OS Battambang" panose="02000500000000020004" pitchFamily="2" charset="0"/>
+              <a:cs typeface="Khmer OS Battambang" panose="02000500000000020004" pitchFamily="2" charset="0"/>
+            </a:endParaRPr>
+          </a:p>
+          <a:p>
+            <a:pPr indent="685800" algn="just">
+              <a:lnSpc>
+                <a:spcPct val="150000"/>
+              </a:lnSpc>
+              <a:spcAft>
+                <a:spcPts val="1200"/>
+              </a:spcAft>
+            </a:pPr>
+            <a:r>
+              <a:rPr lang="km-KH" dirty="0" smtClean="0">
+                <a:latin typeface="Khmer OS Battambang" panose="02000500000000020004" pitchFamily="2" charset="0"/>
+                <a:cs typeface="Khmer OS Battambang" panose="02000500000000020004" pitchFamily="2" charset="0"/>
+              </a:rPr>
+              <a:t>ឬចូលទៅមើល</a:t>
+            </a:r>
+            <a:r>
+              <a:rPr lang="en-US" dirty="0" smtClean="0">
+                <a:latin typeface="Khmer OS Battambang" panose="02000500000000020004" pitchFamily="2" charset="0"/>
+                <a:cs typeface="Khmer OS Battambang" panose="02000500000000020004" pitchFamily="2" charset="0"/>
+              </a:rPr>
+              <a:t> Project </a:t>
+            </a:r>
+            <a:r>
+              <a:rPr lang="km-KH" dirty="0" smtClean="0">
+                <a:latin typeface="Khmer OS Battambang" panose="02000500000000020004" pitchFamily="2" charset="0"/>
+                <a:cs typeface="Khmer OS Battambang" panose="02000500000000020004" pitchFamily="2" charset="0"/>
+              </a:rPr>
+              <a:t>ទាំងមូល</a:t>
+            </a:r>
+          </a:p>
+          <a:p>
+            <a:pPr indent="685800" algn="just">
+              <a:lnSpc>
+                <a:spcPct val="150000"/>
+              </a:lnSpc>
+              <a:spcAft>
+                <a:spcPts val="1200"/>
+              </a:spcAft>
+            </a:pPr>
+            <a:r>
+              <a:rPr lang="en-US" dirty="0" smtClean="0">
+                <a:latin typeface="Khmer OS Battambang" panose="02000500000000020004" pitchFamily="2" charset="0"/>
+                <a:cs typeface="Khmer OS Battambang" panose="02000500000000020004" pitchFamily="2" charset="0"/>
+                <a:hlinkClick r:id="rId3"/>
+              </a:rPr>
+              <a:t>https://github.com/cpheaktra/CalculatorGUI</a:t>
+            </a:r>
+            <a:endParaRPr lang="en-US" dirty="0" smtClean="0">
+              <a:latin typeface="Khmer OS Battambang" panose="02000500000000020004" pitchFamily="2" charset="0"/>
+              <a:cs typeface="Khmer OS Battambang" panose="02000500000000020004" pitchFamily="2" charset="0"/>
+            </a:endParaRPr>
+          </a:p>
+        </p:txBody>
+      </p:sp>
+      <p:pic>
+        <p:nvPicPr>
+          <p:cNvPr id="2" name="Picture 1"/>
+          <p:cNvPicPr>
+            <a:picLocks noChangeAspect="1"/>
+          </p:cNvPicPr>
+          <p:nvPr/>
+        </p:nvPicPr>
+        <p:blipFill>
+          <a:blip r:embed="rId4"/>
+          <a:stretch>
+            <a:fillRect/>
+          </a:stretch>
+        </p:blipFill>
+        <p:spPr>
+          <a:xfrm>
+            <a:off x="8008862" y="2416277"/>
+            <a:ext cx="3217938" cy="3940073"/>
+          </a:xfrm>
+          <a:prstGeom prst="rect">
+            <a:avLst/>
+          </a:prstGeom>
+        </p:spPr>
+      </p:pic>
     </p:spTree>
     <p:extLst>
       <p:ext uri="{BB962C8B-B14F-4D97-AF65-F5344CB8AC3E}">
@@ -5111,112 +5211,13 @@
   <p:clrMapOvr>
     <a:masterClrMapping/>
   </p:clrMapOvr>
-</p:sld>
-</file>
-
-<file path=ppt/slides/slide13.xml><?xml version="1.0" encoding="utf-8"?>
-<p:sld xmlns:a="http://schemas.openxmlformats.org/drawingml/2006/main" xmlns:r="http://schemas.openxmlformats.org/officeDocument/2006/relationships" xmlns:p="http://schemas.openxmlformats.org/presentationml/2006/main">
-  <p:cSld>
-    <p:spTree>
-      <p:nvGrpSpPr>
-        <p:cNvPr id="1" name=""/>
-        <p:cNvGrpSpPr/>
-        <p:nvPr/>
-      </p:nvGrpSpPr>
-      <p:grpSpPr>
-        <a:xfrm>
-          <a:off x="0" y="0"/>
-          <a:ext cx="0" cy="0"/>
-          <a:chOff x="0" y="0"/>
-          <a:chExt cx="0" cy="0"/>
-        </a:xfrm>
-      </p:grpSpPr>
-      <p:sp>
-        <p:nvSpPr>
-          <p:cNvPr id="4" name="Slide Number Placeholder 3"/>
-          <p:cNvSpPr>
-            <a:spLocks noGrp="1"/>
-          </p:cNvSpPr>
-          <p:nvPr>
-            <p:ph type="sldNum" sz="quarter" idx="12"/>
-          </p:nvPr>
-        </p:nvSpPr>
-        <p:spPr/>
-        <p:txBody>
-          <a:bodyPr/>
-          <a:lstStyle/>
-          <a:p>
-            <a:fld id="{C65BF232-D96C-4BCE-A65E-27CEBC75B45B}" type="slidenum">
-              <a:rPr lang="en-US" smtClean="0"/>
-              <a:t>13</a:t>
-            </a:fld>
-            <a:endParaRPr lang="en-US"/>
-          </a:p>
-        </p:txBody>
-      </p:sp>
-    </p:spTree>
-    <p:extLst>
-      <p:ext uri="{BB962C8B-B14F-4D97-AF65-F5344CB8AC3E}">
-        <p14:creationId xmlns:p14="http://schemas.microsoft.com/office/powerpoint/2010/main" val="1445006173"/>
-      </p:ext>
-    </p:extLst>
-  </p:cSld>
-  <p:clrMapOvr>
-    <a:masterClrMapping/>
-  </p:clrMapOvr>
-</p:sld>
-</file>
-
-<file path=ppt/slides/slide14.xml><?xml version="1.0" encoding="utf-8"?>
-<p:sld xmlns:a="http://schemas.openxmlformats.org/drawingml/2006/main" xmlns:r="http://schemas.openxmlformats.org/officeDocument/2006/relationships" xmlns:p="http://schemas.openxmlformats.org/presentationml/2006/main">
-  <p:cSld>
-    <p:spTree>
-      <p:nvGrpSpPr>
-        <p:cNvPr id="1" name=""/>
-        <p:cNvGrpSpPr/>
-        <p:nvPr/>
-      </p:nvGrpSpPr>
-      <p:grpSpPr>
-        <a:xfrm>
-          <a:off x="0" y="0"/>
-          <a:ext cx="0" cy="0"/>
-          <a:chOff x="0" y="0"/>
-          <a:chExt cx="0" cy="0"/>
-        </a:xfrm>
-      </p:grpSpPr>
-      <p:sp>
-        <p:nvSpPr>
-          <p:cNvPr id="4" name="Slide Number Placeholder 3"/>
-          <p:cNvSpPr>
-            <a:spLocks noGrp="1"/>
-          </p:cNvSpPr>
-          <p:nvPr>
-            <p:ph type="sldNum" sz="quarter" idx="12"/>
-          </p:nvPr>
-        </p:nvSpPr>
-        <p:spPr/>
-        <p:txBody>
-          <a:bodyPr/>
-          <a:lstStyle/>
-          <a:p>
-            <a:fld id="{C65BF232-D96C-4BCE-A65E-27CEBC75B45B}" type="slidenum">
-              <a:rPr lang="en-US" smtClean="0"/>
-              <a:t>14</a:t>
-            </a:fld>
-            <a:endParaRPr lang="en-US"/>
-          </a:p>
-        </p:txBody>
-      </p:sp>
-    </p:spTree>
-    <p:extLst>
-      <p:ext uri="{BB962C8B-B14F-4D97-AF65-F5344CB8AC3E}">
-        <p14:creationId xmlns:p14="http://schemas.microsoft.com/office/powerpoint/2010/main" val="349190699"/>
-      </p:ext>
-    </p:extLst>
-  </p:cSld>
-  <p:clrMapOvr>
-    <a:masterClrMapping/>
-  </p:clrMapOvr>
+  <p:timing>
+    <p:tnLst>
+      <p:par>
+        <p:cTn id="1" dur="indefinite" restart="never" nodeType="tmRoot"/>
+      </p:par>
+    </p:tnLst>
+  </p:timing>
 </p:sld>
 </file>
 
@@ -5400,33 +5401,22 @@
                 <a:latin typeface="Khmer OS Battambang" panose="02000500000000020004" pitchFamily="2" charset="0"/>
                 <a:cs typeface="Khmer OS Battambang" panose="02000500000000020004" pitchFamily="2" charset="0"/>
               </a:rPr>
-              <a:t>Source </a:t>
+              <a:t>Source Code </a:t>
+            </a:r>
+            <a:r>
+              <a:rPr lang="km-KH" dirty="0" smtClean="0">
+                <a:latin typeface="Khmer OS Battambang" panose="02000500000000020004" pitchFamily="2" charset="0"/>
+                <a:cs typeface="Khmer OS Battambang" panose="02000500000000020004" pitchFamily="2" charset="0"/>
+              </a:rPr>
+              <a:t>នៃ </a:t>
             </a:r>
             <a:r>
               <a:rPr lang="en-US" dirty="0" smtClean="0">
                 <a:latin typeface="Khmer OS Battambang" panose="02000500000000020004" pitchFamily="2" charset="0"/>
                 <a:cs typeface="Khmer OS Battambang" panose="02000500000000020004" pitchFamily="2" charset="0"/>
               </a:rPr>
-              <a:t>Code </a:t>
-            </a:r>
-            <a:r>
-              <a:rPr lang="km-KH" dirty="0" smtClean="0">
-                <a:latin typeface="Khmer OS Battambang" panose="02000500000000020004" pitchFamily="2" charset="0"/>
-                <a:cs typeface="Khmer OS Battambang" panose="02000500000000020004" pitchFamily="2" charset="0"/>
-              </a:rPr>
-              <a:t>នៃ </a:t>
-            </a:r>
-            <a:r>
-              <a:rPr lang="en-US" dirty="0" smtClean="0">
-                <a:latin typeface="Khmer OS Battambang" panose="02000500000000020004" pitchFamily="2" charset="0"/>
-                <a:cs typeface="Khmer OS Battambang" panose="02000500000000020004" pitchFamily="2" charset="0"/>
-              </a:rPr>
               <a:t>Project</a:t>
             </a:r>
-            <a:endParaRPr lang="en-US" dirty="0" smtClean="0">
-              <a:latin typeface="Khmer OS Battambang" panose="02000500000000020004" pitchFamily="2" charset="0"/>
-              <a:cs typeface="Khmer OS Battambang" panose="02000500000000020004" pitchFamily="2" charset="0"/>
-            </a:endParaRPr>
           </a:p>
         </p:txBody>
       </p:sp>

--- a/calculator_gui.pptx
+++ b/calculator_gui.pptx
@@ -5,10 +5,10 @@
     <p:sldMasterId id="2147483660" r:id="rId1"/>
   </p:sldMasterIdLst>
   <p:notesMasterIdLst>
-    <p:notesMasterId r:id="rId14"/>
+    <p:notesMasterId r:id="rId21"/>
   </p:notesMasterIdLst>
   <p:handoutMasterIdLst>
-    <p:handoutMasterId r:id="rId15"/>
+    <p:handoutMasterId r:id="rId22"/>
   </p:handoutMasterIdLst>
   <p:sldIdLst>
     <p:sldId id="256" r:id="rId2"/>
@@ -23,6 +23,13 @@
     <p:sldId id="265" r:id="rId11"/>
     <p:sldId id="266" r:id="rId12"/>
     <p:sldId id="267" r:id="rId13"/>
+    <p:sldId id="268" r:id="rId14"/>
+    <p:sldId id="269" r:id="rId15"/>
+    <p:sldId id="270" r:id="rId16"/>
+    <p:sldId id="271" r:id="rId17"/>
+    <p:sldId id="272" r:id="rId18"/>
+    <p:sldId id="273" r:id="rId19"/>
+    <p:sldId id="274" r:id="rId20"/>
   </p:sldIdLst>
   <p:sldSz cx="12192000" cy="6858000"/>
   <p:notesSz cx="6858000" cy="9144000"/>
@@ -5086,14 +5093,7 @@
                 <a:latin typeface="Khmer OS Battambang" panose="02000500000000020004" pitchFamily="2" charset="0"/>
                 <a:cs typeface="Khmer OS Battambang" panose="02000500000000020004" pitchFamily="2" charset="0"/>
               </a:rPr>
-              <a:t>ខាង</a:t>
-            </a:r>
-            <a:r>
-              <a:rPr lang="km-KH" dirty="0" smtClean="0">
-                <a:latin typeface="Khmer OS Battambang" panose="02000500000000020004" pitchFamily="2" charset="0"/>
-                <a:cs typeface="Khmer OS Battambang" panose="02000500000000020004" pitchFamily="2" charset="0"/>
-              </a:rPr>
-              <a:t>ក្រោម</a:t>
+              <a:t>ខាងក្រោម</a:t>
             </a:r>
             <a:endParaRPr lang="en-US" dirty="0" smtClean="0">
               <a:latin typeface="Khmer OS Battambang" panose="02000500000000020004" pitchFamily="2" charset="0"/>
@@ -5218,6 +5218,4394 @@
       </p:par>
     </p:tnLst>
   </p:timing>
+</p:sld>
+</file>
+
+<file path=ppt/slides/slide13.xml><?xml version="1.0" encoding="utf-8"?>
+<p:sld xmlns:a="http://schemas.openxmlformats.org/drawingml/2006/main" xmlns:r="http://schemas.openxmlformats.org/officeDocument/2006/relationships" xmlns:p="http://schemas.openxmlformats.org/presentationml/2006/main">
+  <p:cSld>
+    <p:spTree>
+      <p:nvGrpSpPr>
+        <p:cNvPr id="1" name=""/>
+        <p:cNvGrpSpPr/>
+        <p:nvPr/>
+      </p:nvGrpSpPr>
+      <p:grpSpPr>
+        <a:xfrm>
+          <a:off x="0" y="0"/>
+          <a:ext cx="0" cy="0"/>
+          <a:chOff x="0" y="0"/>
+          <a:chExt cx="0" cy="0"/>
+        </a:xfrm>
+      </p:grpSpPr>
+      <p:sp>
+        <p:nvSpPr>
+          <p:cNvPr id="4" name="Slide Number Placeholder 3"/>
+          <p:cNvSpPr>
+            <a:spLocks noGrp="1"/>
+          </p:cNvSpPr>
+          <p:nvPr>
+            <p:ph type="sldNum" sz="quarter" idx="12"/>
+          </p:nvPr>
+        </p:nvSpPr>
+        <p:spPr/>
+        <p:txBody>
+          <a:bodyPr/>
+          <a:lstStyle/>
+          <a:p>
+            <a:fld id="{C65BF232-D96C-4BCE-A65E-27CEBC75B45B}" type="slidenum">
+              <a:rPr lang="en-US" smtClean="0"/>
+              <a:t>13</a:t>
+            </a:fld>
+            <a:endParaRPr lang="en-US"/>
+          </a:p>
+        </p:txBody>
+      </p:sp>
+      <p:pic>
+        <p:nvPicPr>
+          <p:cNvPr id="5" name="Picture 4"/>
+          <p:cNvPicPr>
+            <a:picLocks noChangeAspect="1"/>
+          </p:cNvPicPr>
+          <p:nvPr/>
+        </p:nvPicPr>
+        <p:blipFill>
+          <a:blip r:embed="rId2"/>
+          <a:stretch>
+            <a:fillRect/>
+          </a:stretch>
+        </p:blipFill>
+        <p:spPr>
+          <a:xfrm>
+            <a:off x="445453" y="478428"/>
+            <a:ext cx="4624088" cy="6059557"/>
+          </a:xfrm>
+          <a:prstGeom prst="rect">
+            <a:avLst/>
+          </a:prstGeom>
+        </p:spPr>
+      </p:pic>
+      <p:sp>
+        <p:nvSpPr>
+          <p:cNvPr id="6" name="TextBox 5"/>
+          <p:cNvSpPr txBox="1"/>
+          <p:nvPr/>
+        </p:nvSpPr>
+        <p:spPr>
+          <a:xfrm>
+            <a:off x="5729299" y="701015"/>
+            <a:ext cx="3617257" cy="369332"/>
+          </a:xfrm>
+          <a:prstGeom prst="rect">
+            <a:avLst/>
+          </a:prstGeom>
+          <a:noFill/>
+        </p:spPr>
+        <p:txBody>
+          <a:bodyPr wrap="square" rtlCol="0">
+            <a:spAutoFit/>
+          </a:bodyPr>
+          <a:lstStyle/>
+          <a:p>
+            <a:r>
+              <a:rPr lang="km-KH" dirty="0">
+                <a:latin typeface="Khmer OS Battambang" panose="02000500000000020004" pitchFamily="2" charset="0"/>
+                <a:cs typeface="Khmer OS Battambang" panose="02000500000000020004" pitchFamily="2" charset="0"/>
+              </a:rPr>
+              <a:t>ប្រកាស </a:t>
+            </a:r>
+            <a:r>
+              <a:rPr lang="en-US" dirty="0">
+                <a:latin typeface="Khmer OS Battambang" panose="02000500000000020004" pitchFamily="2" charset="0"/>
+                <a:cs typeface="Khmer OS Battambang" panose="02000500000000020004" pitchFamily="2" charset="0"/>
+              </a:rPr>
+              <a:t>library </a:t>
+            </a:r>
+            <a:r>
+              <a:rPr lang="en-US" dirty="0" err="1">
+                <a:latin typeface="Khmer OS Battambang" panose="02000500000000020004" pitchFamily="2" charset="0"/>
+                <a:cs typeface="Khmer OS Battambang" panose="02000500000000020004" pitchFamily="2" charset="0"/>
+              </a:rPr>
+              <a:t>Tkinter</a:t>
+            </a:r>
+            <a:r>
+              <a:rPr lang="en-US" dirty="0">
+                <a:latin typeface="Khmer OS Battambang" panose="02000500000000020004" pitchFamily="2" charset="0"/>
+                <a:cs typeface="Khmer OS Battambang" panose="02000500000000020004" pitchFamily="2" charset="0"/>
+              </a:rPr>
+              <a:t> interface</a:t>
+            </a:r>
+          </a:p>
+        </p:txBody>
+      </p:sp>
+      <p:cxnSp>
+        <p:nvCxnSpPr>
+          <p:cNvPr id="8" name="Straight Arrow Connector 7"/>
+          <p:cNvCxnSpPr>
+            <a:endCxn id="6" idx="1"/>
+          </p:cNvCxnSpPr>
+          <p:nvPr/>
+        </p:nvCxnSpPr>
+        <p:spPr>
+          <a:xfrm flipV="1">
+            <a:off x="3262313" y="885681"/>
+            <a:ext cx="2466986" cy="376382"/>
+          </a:xfrm>
+          <a:prstGeom prst="straightConnector1">
+            <a:avLst/>
+          </a:prstGeom>
+          <a:ln w="28575">
+            <a:solidFill>
+              <a:srgbClr val="FF0000"/>
+            </a:solidFill>
+            <a:tailEnd type="triangle"/>
+          </a:ln>
+        </p:spPr>
+        <p:style>
+          <a:lnRef idx="1">
+            <a:schemeClr val="accent1"/>
+          </a:lnRef>
+          <a:fillRef idx="0">
+            <a:schemeClr val="accent1"/>
+          </a:fillRef>
+          <a:effectRef idx="0">
+            <a:schemeClr val="accent1"/>
+          </a:effectRef>
+          <a:fontRef idx="minor">
+            <a:schemeClr val="tx1"/>
+          </a:fontRef>
+        </p:style>
+      </p:cxnSp>
+      <p:sp>
+        <p:nvSpPr>
+          <p:cNvPr id="10" name="TextBox 9"/>
+          <p:cNvSpPr txBox="1"/>
+          <p:nvPr/>
+        </p:nvSpPr>
+        <p:spPr>
+          <a:xfrm>
+            <a:off x="5647766" y="1304153"/>
+            <a:ext cx="5311587" cy="369332"/>
+          </a:xfrm>
+          <a:prstGeom prst="rect">
+            <a:avLst/>
+          </a:prstGeom>
+          <a:noFill/>
+        </p:spPr>
+        <p:txBody>
+          <a:bodyPr wrap="square" rtlCol="0">
+            <a:spAutoFit/>
+          </a:bodyPr>
+          <a:lstStyle/>
+          <a:p>
+            <a:r>
+              <a:rPr lang="km-KH" dirty="0" smtClean="0">
+                <a:latin typeface="Khmer OS Battambang" panose="02000500000000020004" pitchFamily="2" charset="0"/>
+                <a:cs typeface="Khmer OS Battambang" panose="02000500000000020004" pitchFamily="2" charset="0"/>
+              </a:rPr>
+              <a:t>ប្រកាសអញ្ញាត្តិមួយឈ្មោះ </a:t>
+            </a:r>
+            <a:r>
+              <a:rPr lang="en-US" dirty="0" smtClean="0">
+                <a:latin typeface="Khmer OS Battambang" panose="02000500000000020004" pitchFamily="2" charset="0"/>
+                <a:cs typeface="Khmer OS Battambang" panose="02000500000000020004" pitchFamily="2" charset="0"/>
+              </a:rPr>
+              <a:t>expression </a:t>
+            </a:r>
+            <a:r>
+              <a:rPr lang="km-KH" dirty="0" smtClean="0">
+                <a:latin typeface="Khmer OS Battambang" panose="02000500000000020004" pitchFamily="2" charset="0"/>
+                <a:cs typeface="Khmer OS Battambang" panose="02000500000000020004" pitchFamily="2" charset="0"/>
+              </a:rPr>
+              <a:t>មានតម្លៃ ទទេ</a:t>
+            </a:r>
+            <a:endParaRPr lang="en-US" dirty="0">
+              <a:latin typeface="Khmer OS Battambang" panose="02000500000000020004" pitchFamily="2" charset="0"/>
+              <a:cs typeface="Khmer OS Battambang" panose="02000500000000020004" pitchFamily="2" charset="0"/>
+            </a:endParaRPr>
+          </a:p>
+        </p:txBody>
+      </p:sp>
+      <p:cxnSp>
+        <p:nvCxnSpPr>
+          <p:cNvPr id="11" name="Straight Arrow Connector 10"/>
+          <p:cNvCxnSpPr>
+            <a:endCxn id="10" idx="1"/>
+          </p:cNvCxnSpPr>
+          <p:nvPr/>
+        </p:nvCxnSpPr>
+        <p:spPr>
+          <a:xfrm flipV="1">
+            <a:off x="2695575" y="1488819"/>
+            <a:ext cx="2952191" cy="228062"/>
+          </a:xfrm>
+          <a:prstGeom prst="straightConnector1">
+            <a:avLst/>
+          </a:prstGeom>
+          <a:ln w="28575">
+            <a:solidFill>
+              <a:srgbClr val="FF0000"/>
+            </a:solidFill>
+            <a:tailEnd type="triangle"/>
+          </a:ln>
+        </p:spPr>
+        <p:style>
+          <a:lnRef idx="1">
+            <a:schemeClr val="accent1"/>
+          </a:lnRef>
+          <a:fillRef idx="0">
+            <a:schemeClr val="accent1"/>
+          </a:fillRef>
+          <a:effectRef idx="0">
+            <a:schemeClr val="accent1"/>
+          </a:effectRef>
+          <a:fontRef idx="minor">
+            <a:schemeClr val="tx1"/>
+          </a:fontRef>
+        </p:style>
+      </p:cxnSp>
+      <p:sp>
+        <p:nvSpPr>
+          <p:cNvPr id="13" name="TextBox 12"/>
+          <p:cNvSpPr txBox="1"/>
+          <p:nvPr/>
+        </p:nvSpPr>
+        <p:spPr>
+          <a:xfrm>
+            <a:off x="5647766" y="1973128"/>
+            <a:ext cx="5311587" cy="646331"/>
+          </a:xfrm>
+          <a:prstGeom prst="rect">
+            <a:avLst/>
+          </a:prstGeom>
+          <a:noFill/>
+        </p:spPr>
+        <p:txBody>
+          <a:bodyPr wrap="square" rtlCol="0">
+            <a:spAutoFit/>
+          </a:bodyPr>
+          <a:lstStyle/>
+          <a:p>
+            <a:r>
+              <a:rPr lang="km-KH" dirty="0" smtClean="0">
+                <a:latin typeface="Khmer OS Battambang" panose="02000500000000020004" pitchFamily="2" charset="0"/>
+                <a:cs typeface="Khmer OS Battambang" panose="02000500000000020004" pitchFamily="2" charset="0"/>
+              </a:rPr>
+              <a:t>ជា </a:t>
+            </a:r>
+            <a:r>
+              <a:rPr lang="en-US" dirty="0" smtClean="0">
+                <a:latin typeface="Khmer OS Battambang" panose="02000500000000020004" pitchFamily="2" charset="0"/>
+                <a:cs typeface="Khmer OS Battambang" panose="02000500000000020004" pitchFamily="2" charset="0"/>
+              </a:rPr>
+              <a:t>function </a:t>
+            </a:r>
+            <a:r>
+              <a:rPr lang="km-KH" dirty="0" smtClean="0">
+                <a:latin typeface="Khmer OS Battambang" panose="02000500000000020004" pitchFamily="2" charset="0"/>
+                <a:cs typeface="Khmer OS Battambang" panose="02000500000000020004" pitchFamily="2" charset="0"/>
+              </a:rPr>
+              <a:t>សម្រាប់បញ្ចូលលេខឬសញ្ញាចូលទៅក្នុង </a:t>
+            </a:r>
+            <a:r>
+              <a:rPr lang="en-US" dirty="0" smtClean="0">
+                <a:latin typeface="Khmer OS Battambang" panose="02000500000000020004" pitchFamily="2" charset="0"/>
+                <a:cs typeface="Khmer OS Battambang" panose="02000500000000020004" pitchFamily="2" charset="0"/>
+              </a:rPr>
+              <a:t>Text box</a:t>
+            </a:r>
+            <a:endParaRPr lang="en-US" dirty="0">
+              <a:latin typeface="Khmer OS Battambang" panose="02000500000000020004" pitchFamily="2" charset="0"/>
+              <a:cs typeface="Khmer OS Battambang" panose="02000500000000020004" pitchFamily="2" charset="0"/>
+            </a:endParaRPr>
+          </a:p>
+        </p:txBody>
+      </p:sp>
+      <p:cxnSp>
+        <p:nvCxnSpPr>
+          <p:cNvPr id="14" name="Straight Arrow Connector 13"/>
+          <p:cNvCxnSpPr>
+            <a:endCxn id="13" idx="1"/>
+          </p:cNvCxnSpPr>
+          <p:nvPr/>
+        </p:nvCxnSpPr>
+        <p:spPr>
+          <a:xfrm>
+            <a:off x="2695575" y="2178844"/>
+            <a:ext cx="2952191" cy="117450"/>
+          </a:xfrm>
+          <a:prstGeom prst="straightConnector1">
+            <a:avLst/>
+          </a:prstGeom>
+          <a:ln w="28575">
+            <a:solidFill>
+              <a:srgbClr val="FF0000"/>
+            </a:solidFill>
+            <a:tailEnd type="triangle"/>
+          </a:ln>
+        </p:spPr>
+        <p:style>
+          <a:lnRef idx="1">
+            <a:schemeClr val="accent1"/>
+          </a:lnRef>
+          <a:fillRef idx="0">
+            <a:schemeClr val="accent1"/>
+          </a:fillRef>
+          <a:effectRef idx="0">
+            <a:schemeClr val="accent1"/>
+          </a:effectRef>
+          <a:fontRef idx="minor">
+            <a:schemeClr val="tx1"/>
+          </a:fontRef>
+        </p:style>
+      </p:cxnSp>
+      <p:sp>
+        <p:nvSpPr>
+          <p:cNvPr id="18" name="TextBox 17"/>
+          <p:cNvSpPr txBox="1"/>
+          <p:nvPr/>
+        </p:nvSpPr>
+        <p:spPr>
+          <a:xfrm>
+            <a:off x="5647766" y="3125887"/>
+            <a:ext cx="5311587" cy="646331"/>
+          </a:xfrm>
+          <a:prstGeom prst="rect">
+            <a:avLst/>
+          </a:prstGeom>
+          <a:noFill/>
+        </p:spPr>
+        <p:txBody>
+          <a:bodyPr wrap="square" rtlCol="0">
+            <a:spAutoFit/>
+          </a:bodyPr>
+          <a:lstStyle/>
+          <a:p>
+            <a:r>
+              <a:rPr lang="km-KH" dirty="0" smtClean="0">
+                <a:latin typeface="Khmer OS Battambang" panose="02000500000000020004" pitchFamily="2" charset="0"/>
+                <a:cs typeface="Khmer OS Battambang" panose="02000500000000020004" pitchFamily="2" charset="0"/>
+              </a:rPr>
+              <a:t>ជា </a:t>
+            </a:r>
+            <a:r>
+              <a:rPr lang="en-US" dirty="0" smtClean="0">
+                <a:latin typeface="Khmer OS Battambang" panose="02000500000000020004" pitchFamily="2" charset="0"/>
+                <a:cs typeface="Khmer OS Battambang" panose="02000500000000020004" pitchFamily="2" charset="0"/>
+              </a:rPr>
+              <a:t>function</a:t>
+            </a:r>
+            <a:r>
+              <a:rPr lang="km-KH" dirty="0" smtClean="0">
+                <a:latin typeface="Khmer OS Battambang" panose="02000500000000020004" pitchFamily="2" charset="0"/>
+                <a:cs typeface="Khmer OS Battambang" panose="02000500000000020004" pitchFamily="2" charset="0"/>
+              </a:rPr>
+              <a:t> សម្រាប់ធ្វើការគណនាដោយប្រើ</a:t>
+            </a:r>
+            <a:r>
+              <a:rPr lang="en-US" dirty="0" smtClean="0">
+                <a:latin typeface="Khmer OS Battambang" panose="02000500000000020004" pitchFamily="2" charset="0"/>
+                <a:cs typeface="Khmer OS Battambang" panose="02000500000000020004" pitchFamily="2" charset="0"/>
+              </a:rPr>
+              <a:t> Method </a:t>
+            </a:r>
+            <a:r>
+              <a:rPr lang="en-US" dirty="0" smtClean="0">
+                <a:solidFill>
+                  <a:srgbClr val="FFFF00"/>
+                </a:solidFill>
+                <a:latin typeface="Consolas" panose="020B0609020204030204" pitchFamily="49" charset="0"/>
+                <a:cs typeface="Khmer OS Battambang" panose="02000500000000020004" pitchFamily="2" charset="0"/>
+              </a:rPr>
+              <a:t>eval()</a:t>
+            </a:r>
+            <a:r>
+              <a:rPr lang="km-KH" dirty="0" smtClean="0">
+                <a:solidFill>
+                  <a:srgbClr val="FFFF00"/>
+                </a:solidFill>
+                <a:latin typeface="Consolas" panose="020B0609020204030204" pitchFamily="49" charset="0"/>
+                <a:cs typeface="Khmer OS Battambang" panose="02000500000000020004" pitchFamily="2" charset="0"/>
+              </a:rPr>
+              <a:t> </a:t>
+            </a:r>
+            <a:r>
+              <a:rPr lang="km-KH" dirty="0" smtClean="0">
+                <a:latin typeface="Khmer OS Battambang" panose="02000500000000020004" pitchFamily="2" charset="0"/>
+                <a:cs typeface="Khmer OS Battambang" panose="02000500000000020004" pitchFamily="2" charset="0"/>
+              </a:rPr>
+              <a:t>និងបង្ហាញលទ្ធផលទៅក្នុង </a:t>
+            </a:r>
+            <a:r>
+              <a:rPr lang="en-US" dirty="0" smtClean="0">
+                <a:latin typeface="Khmer OS Battambang" panose="02000500000000020004" pitchFamily="2" charset="0"/>
+                <a:cs typeface="Khmer OS Battambang" panose="02000500000000020004" pitchFamily="2" charset="0"/>
+              </a:rPr>
+              <a:t>Text box</a:t>
+            </a:r>
+            <a:endParaRPr lang="en-US" dirty="0">
+              <a:latin typeface="Khmer OS Battambang" panose="02000500000000020004" pitchFamily="2" charset="0"/>
+              <a:cs typeface="Khmer OS Battambang" panose="02000500000000020004" pitchFamily="2" charset="0"/>
+            </a:endParaRPr>
+          </a:p>
+        </p:txBody>
+      </p:sp>
+      <p:cxnSp>
+        <p:nvCxnSpPr>
+          <p:cNvPr id="19" name="Straight Arrow Connector 18"/>
+          <p:cNvCxnSpPr>
+            <a:endCxn id="18" idx="1"/>
+          </p:cNvCxnSpPr>
+          <p:nvPr/>
+        </p:nvCxnSpPr>
+        <p:spPr>
+          <a:xfrm>
+            <a:off x="2838450" y="3295650"/>
+            <a:ext cx="2809316" cy="153403"/>
+          </a:xfrm>
+          <a:prstGeom prst="straightConnector1">
+            <a:avLst/>
+          </a:prstGeom>
+          <a:ln w="28575">
+            <a:solidFill>
+              <a:srgbClr val="FF0000"/>
+            </a:solidFill>
+            <a:tailEnd type="triangle"/>
+          </a:ln>
+        </p:spPr>
+        <p:style>
+          <a:lnRef idx="1">
+            <a:schemeClr val="accent1"/>
+          </a:lnRef>
+          <a:fillRef idx="0">
+            <a:schemeClr val="accent1"/>
+          </a:fillRef>
+          <a:effectRef idx="0">
+            <a:schemeClr val="accent1"/>
+          </a:effectRef>
+          <a:fontRef idx="minor">
+            <a:schemeClr val="tx1"/>
+          </a:fontRef>
+        </p:style>
+      </p:cxnSp>
+      <p:sp>
+        <p:nvSpPr>
+          <p:cNvPr id="20" name="TextBox 19"/>
+          <p:cNvSpPr txBox="1"/>
+          <p:nvPr/>
+        </p:nvSpPr>
+        <p:spPr>
+          <a:xfrm>
+            <a:off x="5647766" y="4281577"/>
+            <a:ext cx="5311587" cy="369332"/>
+          </a:xfrm>
+          <a:prstGeom prst="rect">
+            <a:avLst/>
+          </a:prstGeom>
+          <a:noFill/>
+        </p:spPr>
+        <p:txBody>
+          <a:bodyPr wrap="square" rtlCol="0">
+            <a:spAutoFit/>
+          </a:bodyPr>
+          <a:lstStyle/>
+          <a:p>
+            <a:r>
+              <a:rPr lang="km-KH" dirty="0" smtClean="0">
+                <a:latin typeface="Khmer OS Battambang" panose="02000500000000020004" pitchFamily="2" charset="0"/>
+                <a:cs typeface="Khmer OS Battambang" panose="02000500000000020004" pitchFamily="2" charset="0"/>
+              </a:rPr>
+              <a:t>សម្រាប់បង្ហាញពាក្យ </a:t>
+            </a:r>
+            <a:r>
+              <a:rPr lang="en-US" dirty="0" smtClean="0">
+                <a:latin typeface="Khmer OS Battambang" panose="02000500000000020004" pitchFamily="2" charset="0"/>
+                <a:cs typeface="Khmer OS Battambang" panose="02000500000000020004" pitchFamily="2" charset="0"/>
+              </a:rPr>
+              <a:t>error </a:t>
+            </a:r>
+            <a:r>
+              <a:rPr lang="km-KH" dirty="0" smtClean="0">
+                <a:latin typeface="Khmer OS Battambang" panose="02000500000000020004" pitchFamily="2" charset="0"/>
+                <a:cs typeface="Khmer OS Battambang" panose="02000500000000020004" pitchFamily="2" charset="0"/>
+              </a:rPr>
+              <a:t>ពេលបញ្ចូលខុស</a:t>
+            </a:r>
+            <a:endParaRPr lang="en-US" dirty="0">
+              <a:latin typeface="Khmer OS Battambang" panose="02000500000000020004" pitchFamily="2" charset="0"/>
+              <a:cs typeface="Khmer OS Battambang" panose="02000500000000020004" pitchFamily="2" charset="0"/>
+            </a:endParaRPr>
+          </a:p>
+        </p:txBody>
+      </p:sp>
+      <p:cxnSp>
+        <p:nvCxnSpPr>
+          <p:cNvPr id="21" name="Straight Arrow Connector 20"/>
+          <p:cNvCxnSpPr>
+            <a:endCxn id="20" idx="1"/>
+          </p:cNvCxnSpPr>
+          <p:nvPr/>
+        </p:nvCxnSpPr>
+        <p:spPr>
+          <a:xfrm flipV="1">
+            <a:off x="4119563" y="4466243"/>
+            <a:ext cx="1528203" cy="396270"/>
+          </a:xfrm>
+          <a:prstGeom prst="straightConnector1">
+            <a:avLst/>
+          </a:prstGeom>
+          <a:ln w="28575">
+            <a:solidFill>
+              <a:srgbClr val="FF0000"/>
+            </a:solidFill>
+            <a:tailEnd type="triangle"/>
+          </a:ln>
+        </p:spPr>
+        <p:style>
+          <a:lnRef idx="1">
+            <a:schemeClr val="accent1"/>
+          </a:lnRef>
+          <a:fillRef idx="0">
+            <a:schemeClr val="accent1"/>
+          </a:fillRef>
+          <a:effectRef idx="0">
+            <a:schemeClr val="accent1"/>
+          </a:effectRef>
+          <a:fontRef idx="minor">
+            <a:schemeClr val="tx1"/>
+          </a:fontRef>
+        </p:style>
+      </p:cxnSp>
+      <p:sp>
+        <p:nvSpPr>
+          <p:cNvPr id="33" name="TextBox 32"/>
+          <p:cNvSpPr txBox="1"/>
+          <p:nvPr/>
+        </p:nvSpPr>
+        <p:spPr>
+          <a:xfrm>
+            <a:off x="5647766" y="5363934"/>
+            <a:ext cx="5311587" cy="369332"/>
+          </a:xfrm>
+          <a:prstGeom prst="rect">
+            <a:avLst/>
+          </a:prstGeom>
+          <a:noFill/>
+        </p:spPr>
+        <p:txBody>
+          <a:bodyPr wrap="square" rtlCol="0">
+            <a:spAutoFit/>
+          </a:bodyPr>
+          <a:lstStyle/>
+          <a:p>
+            <a:r>
+              <a:rPr lang="km-KH" dirty="0" smtClean="0">
+                <a:latin typeface="Khmer OS Battambang" panose="02000500000000020004" pitchFamily="2" charset="0"/>
+                <a:cs typeface="Khmer OS Battambang" panose="02000500000000020004" pitchFamily="2" charset="0"/>
+              </a:rPr>
+              <a:t>ជា </a:t>
+            </a:r>
+            <a:r>
+              <a:rPr lang="en-US" dirty="0" smtClean="0">
+                <a:latin typeface="Khmer OS Battambang" panose="02000500000000020004" pitchFamily="2" charset="0"/>
+                <a:cs typeface="Khmer OS Battambang" panose="02000500000000020004" pitchFamily="2" charset="0"/>
+              </a:rPr>
+              <a:t>function </a:t>
+            </a:r>
+            <a:r>
+              <a:rPr lang="km-KH" dirty="0" smtClean="0">
+                <a:latin typeface="Khmer OS Battambang" panose="02000500000000020004" pitchFamily="2" charset="0"/>
+                <a:cs typeface="Khmer OS Battambang" panose="02000500000000020004" pitchFamily="2" charset="0"/>
+              </a:rPr>
+              <a:t>សម្រាប់ </a:t>
+            </a:r>
+            <a:r>
+              <a:rPr lang="en-US" dirty="0" smtClean="0">
+                <a:latin typeface="Khmer OS Battambang" panose="02000500000000020004" pitchFamily="2" charset="0"/>
+                <a:cs typeface="Khmer OS Battambang" panose="02000500000000020004" pitchFamily="2" charset="0"/>
+              </a:rPr>
+              <a:t>clear </a:t>
+            </a:r>
+            <a:endParaRPr lang="en-US" dirty="0">
+              <a:latin typeface="Khmer OS Battambang" panose="02000500000000020004" pitchFamily="2" charset="0"/>
+              <a:cs typeface="Khmer OS Battambang" panose="02000500000000020004" pitchFamily="2" charset="0"/>
+            </a:endParaRPr>
+          </a:p>
+        </p:txBody>
+      </p:sp>
+      <p:cxnSp>
+        <p:nvCxnSpPr>
+          <p:cNvPr id="34" name="Straight Arrow Connector 33"/>
+          <p:cNvCxnSpPr>
+            <a:endCxn id="33" idx="1"/>
+          </p:cNvCxnSpPr>
+          <p:nvPr/>
+        </p:nvCxnSpPr>
+        <p:spPr>
+          <a:xfrm>
+            <a:off x="2426494" y="5534025"/>
+            <a:ext cx="3221272" cy="14575"/>
+          </a:xfrm>
+          <a:prstGeom prst="straightConnector1">
+            <a:avLst/>
+          </a:prstGeom>
+          <a:ln w="28575">
+            <a:solidFill>
+              <a:srgbClr val="FF0000"/>
+            </a:solidFill>
+            <a:tailEnd type="triangle"/>
+          </a:ln>
+        </p:spPr>
+        <p:style>
+          <a:lnRef idx="1">
+            <a:schemeClr val="accent1"/>
+          </a:lnRef>
+          <a:fillRef idx="0">
+            <a:schemeClr val="accent1"/>
+          </a:fillRef>
+          <a:effectRef idx="0">
+            <a:schemeClr val="accent1"/>
+          </a:effectRef>
+          <a:fontRef idx="minor">
+            <a:schemeClr val="tx1"/>
+          </a:fontRef>
+        </p:style>
+      </p:cxnSp>
+    </p:spTree>
+    <p:extLst>
+      <p:ext uri="{BB962C8B-B14F-4D97-AF65-F5344CB8AC3E}">
+        <p14:creationId xmlns:p14="http://schemas.microsoft.com/office/powerpoint/2010/main" val="3453719233"/>
+      </p:ext>
+    </p:extLst>
+  </p:cSld>
+  <p:clrMapOvr>
+    <a:masterClrMapping/>
+  </p:clrMapOvr>
+  <p:timing>
+    <p:tnLst>
+      <p:par>
+        <p:cTn id="1" dur="indefinite" restart="never" nodeType="tmRoot"/>
+      </p:par>
+    </p:tnLst>
+  </p:timing>
+</p:sld>
+</file>
+
+<file path=ppt/slides/slide14.xml><?xml version="1.0" encoding="utf-8"?>
+<p:sld xmlns:a="http://schemas.openxmlformats.org/drawingml/2006/main" xmlns:r="http://schemas.openxmlformats.org/officeDocument/2006/relationships" xmlns:p="http://schemas.openxmlformats.org/presentationml/2006/main">
+  <p:cSld>
+    <p:spTree>
+      <p:nvGrpSpPr>
+        <p:cNvPr id="1" name=""/>
+        <p:cNvGrpSpPr/>
+        <p:nvPr/>
+      </p:nvGrpSpPr>
+      <p:grpSpPr>
+        <a:xfrm>
+          <a:off x="0" y="0"/>
+          <a:ext cx="0" cy="0"/>
+          <a:chOff x="0" y="0"/>
+          <a:chExt cx="0" cy="0"/>
+        </a:xfrm>
+      </p:grpSpPr>
+      <p:sp>
+        <p:nvSpPr>
+          <p:cNvPr id="4" name="Slide Number Placeholder 3"/>
+          <p:cNvSpPr>
+            <a:spLocks noGrp="1"/>
+          </p:cNvSpPr>
+          <p:nvPr>
+            <p:ph type="sldNum" sz="quarter" idx="12"/>
+          </p:nvPr>
+        </p:nvSpPr>
+        <p:spPr/>
+        <p:txBody>
+          <a:bodyPr/>
+          <a:lstStyle/>
+          <a:p>
+            <a:fld id="{C65BF232-D96C-4BCE-A65E-27CEBC75B45B}" type="slidenum">
+              <a:rPr lang="en-US" smtClean="0"/>
+              <a:t>14</a:t>
+            </a:fld>
+            <a:endParaRPr lang="en-US"/>
+          </a:p>
+        </p:txBody>
+      </p:sp>
+      <p:pic>
+        <p:nvPicPr>
+          <p:cNvPr id="5" name="Picture 4"/>
+          <p:cNvPicPr>
+            <a:picLocks noChangeAspect="1"/>
+          </p:cNvPicPr>
+          <p:nvPr/>
+        </p:nvPicPr>
+        <p:blipFill>
+          <a:blip r:embed="rId2">
+            <a:extLst>
+              <a:ext uri="{28A0092B-C50C-407E-A947-70E740481C1C}">
+                <a14:useLocalDpi xmlns:a14="http://schemas.microsoft.com/office/drawing/2010/main" val="0"/>
+              </a:ext>
+            </a:extLst>
+          </a:blip>
+          <a:stretch>
+            <a:fillRect/>
+          </a:stretch>
+        </p:blipFill>
+        <p:spPr>
+          <a:xfrm>
+            <a:off x="320608" y="728453"/>
+            <a:ext cx="8170324" cy="5627897"/>
+          </a:xfrm>
+          <a:prstGeom prst="rect">
+            <a:avLst/>
+          </a:prstGeom>
+        </p:spPr>
+      </p:pic>
+      <p:sp>
+        <p:nvSpPr>
+          <p:cNvPr id="6" name="TextBox 5"/>
+          <p:cNvSpPr txBox="1"/>
+          <p:nvPr/>
+        </p:nvSpPr>
+        <p:spPr>
+          <a:xfrm>
+            <a:off x="8490932" y="847438"/>
+            <a:ext cx="3450056" cy="646331"/>
+          </a:xfrm>
+          <a:prstGeom prst="rect">
+            <a:avLst/>
+          </a:prstGeom>
+          <a:noFill/>
+        </p:spPr>
+        <p:txBody>
+          <a:bodyPr wrap="square" rtlCol="0">
+            <a:spAutoFit/>
+          </a:bodyPr>
+          <a:lstStyle/>
+          <a:p>
+            <a:r>
+              <a:rPr lang="km-KH" dirty="0" smtClean="0">
+                <a:latin typeface="Khmer OS Battambang" panose="02000500000000020004" pitchFamily="2" charset="0"/>
+                <a:cs typeface="Khmer OS Battambang" panose="02000500000000020004" pitchFamily="2" charset="0"/>
+              </a:rPr>
+              <a:t>សម្រាប់បង្កើត </a:t>
+            </a:r>
+            <a:r>
+              <a:rPr lang="en-US" dirty="0" smtClean="0">
+                <a:latin typeface="Khmer OS Battambang" panose="02000500000000020004" pitchFamily="2" charset="0"/>
+                <a:cs typeface="Khmer OS Battambang" panose="02000500000000020004" pitchFamily="2" charset="0"/>
+              </a:rPr>
+              <a:t>Window </a:t>
+            </a:r>
+            <a:r>
+              <a:rPr lang="km-KH" dirty="0" smtClean="0">
+                <a:latin typeface="Khmer OS Battambang" panose="02000500000000020004" pitchFamily="2" charset="0"/>
+                <a:cs typeface="Khmer OS Battambang" panose="02000500000000020004" pitchFamily="2" charset="0"/>
+              </a:rPr>
+              <a:t>ថ្មីឈ្មោះ </a:t>
+            </a:r>
+            <a:r>
+              <a:rPr lang="en-US" dirty="0" smtClean="0">
+                <a:latin typeface="Khmer OS Battambang" panose="02000500000000020004" pitchFamily="2" charset="0"/>
+                <a:cs typeface="Khmer OS Battambang" panose="02000500000000020004" pitchFamily="2" charset="0"/>
+              </a:rPr>
+              <a:t>About Us</a:t>
+            </a:r>
+            <a:endParaRPr lang="en-US" dirty="0">
+              <a:latin typeface="Khmer OS Battambang" panose="02000500000000020004" pitchFamily="2" charset="0"/>
+              <a:cs typeface="Khmer OS Battambang" panose="02000500000000020004" pitchFamily="2" charset="0"/>
+            </a:endParaRPr>
+          </a:p>
+        </p:txBody>
+      </p:sp>
+      <p:cxnSp>
+        <p:nvCxnSpPr>
+          <p:cNvPr id="7" name="Straight Arrow Connector 6"/>
+          <p:cNvCxnSpPr>
+            <a:endCxn id="6" idx="1"/>
+          </p:cNvCxnSpPr>
+          <p:nvPr/>
+        </p:nvCxnSpPr>
+        <p:spPr>
+          <a:xfrm flipV="1">
+            <a:off x="3797300" y="1170604"/>
+            <a:ext cx="4693632" cy="131146"/>
+          </a:xfrm>
+          <a:prstGeom prst="straightConnector1">
+            <a:avLst/>
+          </a:prstGeom>
+          <a:ln w="28575">
+            <a:solidFill>
+              <a:srgbClr val="FF0000"/>
+            </a:solidFill>
+            <a:tailEnd type="triangle"/>
+          </a:ln>
+        </p:spPr>
+        <p:style>
+          <a:lnRef idx="1">
+            <a:schemeClr val="accent1"/>
+          </a:lnRef>
+          <a:fillRef idx="0">
+            <a:schemeClr val="accent1"/>
+          </a:fillRef>
+          <a:effectRef idx="0">
+            <a:schemeClr val="accent1"/>
+          </a:effectRef>
+          <a:fontRef idx="minor">
+            <a:schemeClr val="tx1"/>
+          </a:fontRef>
+        </p:style>
+      </p:cxnSp>
+      <p:sp>
+        <p:nvSpPr>
+          <p:cNvPr id="13" name="TextBox 12"/>
+          <p:cNvSpPr txBox="1"/>
+          <p:nvPr/>
+        </p:nvSpPr>
+        <p:spPr>
+          <a:xfrm>
+            <a:off x="8490932" y="4374409"/>
+            <a:ext cx="3450056" cy="646331"/>
+          </a:xfrm>
+          <a:prstGeom prst="rect">
+            <a:avLst/>
+          </a:prstGeom>
+          <a:noFill/>
+        </p:spPr>
+        <p:txBody>
+          <a:bodyPr wrap="square" rtlCol="0">
+            <a:spAutoFit/>
+          </a:bodyPr>
+          <a:lstStyle/>
+          <a:p>
+            <a:r>
+              <a:rPr lang="km-KH" dirty="0" smtClean="0">
+                <a:latin typeface="Khmer OS Battambang" panose="02000500000000020004" pitchFamily="2" charset="0"/>
+                <a:cs typeface="Khmer OS Battambang" panose="02000500000000020004" pitchFamily="2" charset="0"/>
+              </a:rPr>
+              <a:t>សម្រាប់បង្កើត </a:t>
+            </a:r>
+            <a:r>
+              <a:rPr lang="en-US" dirty="0" smtClean="0">
+                <a:latin typeface="Khmer OS Battambang" panose="02000500000000020004" pitchFamily="2" charset="0"/>
+                <a:cs typeface="Khmer OS Battambang" panose="02000500000000020004" pitchFamily="2" charset="0"/>
+              </a:rPr>
+              <a:t>Window </a:t>
+            </a:r>
+            <a:r>
+              <a:rPr lang="km-KH" dirty="0" smtClean="0">
+                <a:latin typeface="Khmer OS Battambang" panose="02000500000000020004" pitchFamily="2" charset="0"/>
+                <a:cs typeface="Khmer OS Battambang" panose="02000500000000020004" pitchFamily="2" charset="0"/>
+              </a:rPr>
+              <a:t>ថ្មីឈ្មោះ </a:t>
+            </a:r>
+            <a:r>
+              <a:rPr lang="en-US" dirty="0" smtClean="0">
+                <a:latin typeface="Khmer OS Battambang" panose="02000500000000020004" pitchFamily="2" charset="0"/>
+                <a:cs typeface="Khmer OS Battambang" panose="02000500000000020004" pitchFamily="2" charset="0"/>
+              </a:rPr>
+              <a:t>Help &amp; Support</a:t>
+            </a:r>
+            <a:endParaRPr lang="en-US" dirty="0">
+              <a:latin typeface="Khmer OS Battambang" panose="02000500000000020004" pitchFamily="2" charset="0"/>
+              <a:cs typeface="Khmer OS Battambang" panose="02000500000000020004" pitchFamily="2" charset="0"/>
+            </a:endParaRPr>
+          </a:p>
+        </p:txBody>
+      </p:sp>
+      <p:cxnSp>
+        <p:nvCxnSpPr>
+          <p:cNvPr id="14" name="Straight Arrow Connector 13"/>
+          <p:cNvCxnSpPr>
+            <a:endCxn id="13" idx="1"/>
+          </p:cNvCxnSpPr>
+          <p:nvPr/>
+        </p:nvCxnSpPr>
+        <p:spPr>
+          <a:xfrm>
+            <a:off x="3700463" y="4591051"/>
+            <a:ext cx="4790469" cy="106524"/>
+          </a:xfrm>
+          <a:prstGeom prst="straightConnector1">
+            <a:avLst/>
+          </a:prstGeom>
+          <a:ln w="28575">
+            <a:solidFill>
+              <a:srgbClr val="FF0000"/>
+            </a:solidFill>
+            <a:tailEnd type="triangle"/>
+          </a:ln>
+        </p:spPr>
+        <p:style>
+          <a:lnRef idx="1">
+            <a:schemeClr val="accent1"/>
+          </a:lnRef>
+          <a:fillRef idx="0">
+            <a:schemeClr val="accent1"/>
+          </a:fillRef>
+          <a:effectRef idx="0">
+            <a:schemeClr val="accent1"/>
+          </a:effectRef>
+          <a:fontRef idx="minor">
+            <a:schemeClr val="tx1"/>
+          </a:fontRef>
+        </p:style>
+      </p:cxnSp>
+    </p:spTree>
+    <p:extLst>
+      <p:ext uri="{BB962C8B-B14F-4D97-AF65-F5344CB8AC3E}">
+        <p14:creationId xmlns:p14="http://schemas.microsoft.com/office/powerpoint/2010/main" val="4078973566"/>
+      </p:ext>
+    </p:extLst>
+  </p:cSld>
+  <p:clrMapOvr>
+    <a:masterClrMapping/>
+  </p:clrMapOvr>
+</p:sld>
+</file>
+
+<file path=ppt/slides/slide15.xml><?xml version="1.0" encoding="utf-8"?>
+<p:sld xmlns:a="http://schemas.openxmlformats.org/drawingml/2006/main" xmlns:r="http://schemas.openxmlformats.org/officeDocument/2006/relationships" xmlns:p="http://schemas.openxmlformats.org/presentationml/2006/main">
+  <p:cSld>
+    <p:spTree>
+      <p:nvGrpSpPr>
+        <p:cNvPr id="1" name=""/>
+        <p:cNvGrpSpPr/>
+        <p:nvPr/>
+      </p:nvGrpSpPr>
+      <p:grpSpPr>
+        <a:xfrm>
+          <a:off x="0" y="0"/>
+          <a:ext cx="0" cy="0"/>
+          <a:chOff x="0" y="0"/>
+          <a:chExt cx="0" cy="0"/>
+        </a:xfrm>
+      </p:grpSpPr>
+      <p:sp>
+        <p:nvSpPr>
+          <p:cNvPr id="4" name="Slide Number Placeholder 3"/>
+          <p:cNvSpPr>
+            <a:spLocks noGrp="1"/>
+          </p:cNvSpPr>
+          <p:nvPr>
+            <p:ph type="sldNum" sz="quarter" idx="12"/>
+          </p:nvPr>
+        </p:nvSpPr>
+        <p:spPr/>
+        <p:txBody>
+          <a:bodyPr/>
+          <a:lstStyle/>
+          <a:p>
+            <a:fld id="{C65BF232-D96C-4BCE-A65E-27CEBC75B45B}" type="slidenum">
+              <a:rPr lang="en-US" smtClean="0"/>
+              <a:t>15</a:t>
+            </a:fld>
+            <a:endParaRPr lang="en-US"/>
+          </a:p>
+        </p:txBody>
+      </p:sp>
+      <p:pic>
+        <p:nvPicPr>
+          <p:cNvPr id="5" name="Picture 4"/>
+          <p:cNvPicPr>
+            <a:picLocks noChangeAspect="1"/>
+          </p:cNvPicPr>
+          <p:nvPr/>
+        </p:nvPicPr>
+        <p:blipFill>
+          <a:blip r:embed="rId2"/>
+          <a:stretch>
+            <a:fillRect/>
+          </a:stretch>
+        </p:blipFill>
+        <p:spPr>
+          <a:xfrm>
+            <a:off x="338137" y="965200"/>
+            <a:ext cx="10566927" cy="4730750"/>
+          </a:xfrm>
+          <a:prstGeom prst="rect">
+            <a:avLst/>
+          </a:prstGeom>
+        </p:spPr>
+      </p:pic>
+      <p:sp>
+        <p:nvSpPr>
+          <p:cNvPr id="6" name="TextBox 5"/>
+          <p:cNvSpPr txBox="1"/>
+          <p:nvPr/>
+        </p:nvSpPr>
+        <p:spPr>
+          <a:xfrm>
+            <a:off x="338137" y="237837"/>
+            <a:ext cx="3450056" cy="369332"/>
+          </a:xfrm>
+          <a:prstGeom prst="rect">
+            <a:avLst/>
+          </a:prstGeom>
+          <a:noFill/>
+        </p:spPr>
+        <p:txBody>
+          <a:bodyPr wrap="square" rtlCol="0">
+            <a:spAutoFit/>
+          </a:bodyPr>
+          <a:lstStyle/>
+          <a:p>
+            <a:r>
+              <a:rPr lang="km-KH" dirty="0" smtClean="0">
+                <a:solidFill>
+                  <a:srgbClr val="FFC000"/>
+                </a:solidFill>
+                <a:latin typeface="Khmer OS Battambang" panose="02000500000000020004" pitchFamily="2" charset="0"/>
+                <a:cs typeface="Khmer OS Battambang" panose="02000500000000020004" pitchFamily="2" charset="0"/>
+              </a:rPr>
+              <a:t>ខាងក្រោមនេះជា </a:t>
+            </a:r>
+            <a:r>
+              <a:rPr lang="en-US" dirty="0" smtClean="0">
+                <a:solidFill>
+                  <a:srgbClr val="FFC000"/>
+                </a:solidFill>
+                <a:latin typeface="Khmer OS Battambang" panose="02000500000000020004" pitchFamily="2" charset="0"/>
+                <a:cs typeface="Khmer OS Battambang" panose="02000500000000020004" pitchFamily="2" charset="0"/>
+              </a:rPr>
+              <a:t>main function</a:t>
+            </a:r>
+            <a:endParaRPr lang="en-US" dirty="0">
+              <a:solidFill>
+                <a:srgbClr val="FFC000"/>
+              </a:solidFill>
+              <a:latin typeface="Khmer OS Battambang" panose="02000500000000020004" pitchFamily="2" charset="0"/>
+              <a:cs typeface="Khmer OS Battambang" panose="02000500000000020004" pitchFamily="2" charset="0"/>
+            </a:endParaRPr>
+          </a:p>
+        </p:txBody>
+      </p:sp>
+      <p:sp>
+        <p:nvSpPr>
+          <p:cNvPr id="7" name="TextBox 6"/>
+          <p:cNvSpPr txBox="1"/>
+          <p:nvPr/>
+        </p:nvSpPr>
+        <p:spPr>
+          <a:xfrm>
+            <a:off x="7348537" y="1101437"/>
+            <a:ext cx="3450056" cy="369332"/>
+          </a:xfrm>
+          <a:prstGeom prst="rect">
+            <a:avLst/>
+          </a:prstGeom>
+          <a:noFill/>
+        </p:spPr>
+        <p:txBody>
+          <a:bodyPr wrap="square" rtlCol="0">
+            <a:spAutoFit/>
+          </a:bodyPr>
+          <a:lstStyle/>
+          <a:p>
+            <a:r>
+              <a:rPr lang="km-KH" dirty="0" smtClean="0">
+                <a:latin typeface="Khmer OS Battambang" panose="02000500000000020004" pitchFamily="2" charset="0"/>
+                <a:cs typeface="Khmer OS Battambang" panose="02000500000000020004" pitchFamily="2" charset="0"/>
+              </a:rPr>
+              <a:t>សម្រាប់បង្កើត </a:t>
+            </a:r>
+            <a:r>
+              <a:rPr lang="en-US" dirty="0" smtClean="0">
+                <a:latin typeface="Khmer OS Battambang" panose="02000500000000020004" pitchFamily="2" charset="0"/>
+                <a:cs typeface="Khmer OS Battambang" panose="02000500000000020004" pitchFamily="2" charset="0"/>
+              </a:rPr>
+              <a:t>GUI Screen</a:t>
+            </a:r>
+            <a:endParaRPr lang="en-US" dirty="0">
+              <a:latin typeface="Khmer OS Battambang" panose="02000500000000020004" pitchFamily="2" charset="0"/>
+              <a:cs typeface="Khmer OS Battambang" panose="02000500000000020004" pitchFamily="2" charset="0"/>
+            </a:endParaRPr>
+          </a:p>
+        </p:txBody>
+      </p:sp>
+      <p:cxnSp>
+        <p:nvCxnSpPr>
+          <p:cNvPr id="8" name="Straight Arrow Connector 7"/>
+          <p:cNvCxnSpPr>
+            <a:endCxn id="7" idx="1"/>
+          </p:cNvCxnSpPr>
+          <p:nvPr/>
+        </p:nvCxnSpPr>
+        <p:spPr>
+          <a:xfrm flipV="1">
+            <a:off x="2772229" y="1286103"/>
+            <a:ext cx="4576308" cy="477383"/>
+          </a:xfrm>
+          <a:prstGeom prst="straightConnector1">
+            <a:avLst/>
+          </a:prstGeom>
+          <a:ln w="28575">
+            <a:solidFill>
+              <a:srgbClr val="FF0000"/>
+            </a:solidFill>
+            <a:tailEnd type="triangle"/>
+          </a:ln>
+        </p:spPr>
+        <p:style>
+          <a:lnRef idx="1">
+            <a:schemeClr val="accent1"/>
+          </a:lnRef>
+          <a:fillRef idx="0">
+            <a:schemeClr val="accent1"/>
+          </a:fillRef>
+          <a:effectRef idx="0">
+            <a:schemeClr val="accent1"/>
+          </a:effectRef>
+          <a:fontRef idx="minor">
+            <a:schemeClr val="tx1"/>
+          </a:fontRef>
+        </p:style>
+      </p:cxnSp>
+      <p:sp>
+        <p:nvSpPr>
+          <p:cNvPr id="13" name="Rectangle 12"/>
+          <p:cNvSpPr/>
+          <p:nvPr/>
+        </p:nvSpPr>
+        <p:spPr>
+          <a:xfrm>
+            <a:off x="1333500" y="2029460"/>
+            <a:ext cx="5589813" cy="1219200"/>
+          </a:xfrm>
+          <a:prstGeom prst="rect">
+            <a:avLst/>
+          </a:prstGeom>
+          <a:noFill/>
+          <a:ln w="28575">
+            <a:solidFill>
+              <a:srgbClr val="FF0000"/>
+            </a:solidFill>
+          </a:ln>
+        </p:spPr>
+        <p:style>
+          <a:lnRef idx="2">
+            <a:schemeClr val="accent1">
+              <a:shade val="50000"/>
+            </a:schemeClr>
+          </a:lnRef>
+          <a:fillRef idx="1">
+            <a:schemeClr val="accent1"/>
+          </a:fillRef>
+          <a:effectRef idx="0">
+            <a:schemeClr val="accent1"/>
+          </a:effectRef>
+          <a:fontRef idx="minor">
+            <a:schemeClr val="lt1"/>
+          </a:fontRef>
+        </p:style>
+        <p:txBody>
+          <a:bodyPr rtlCol="0" anchor="ctr"/>
+          <a:lstStyle/>
+          <a:p>
+            <a:pPr algn="ctr"/>
+            <a:endParaRPr lang="en-US"/>
+          </a:p>
+        </p:txBody>
+      </p:sp>
+      <p:sp>
+        <p:nvSpPr>
+          <p:cNvPr id="14" name="TextBox 13"/>
+          <p:cNvSpPr txBox="1"/>
+          <p:nvPr/>
+        </p:nvSpPr>
+        <p:spPr>
+          <a:xfrm>
+            <a:off x="7992390" y="2304534"/>
+            <a:ext cx="2912674" cy="369332"/>
+          </a:xfrm>
+          <a:prstGeom prst="rect">
+            <a:avLst/>
+          </a:prstGeom>
+          <a:noFill/>
+        </p:spPr>
+        <p:txBody>
+          <a:bodyPr wrap="square" rtlCol="0">
+            <a:spAutoFit/>
+          </a:bodyPr>
+          <a:lstStyle/>
+          <a:p>
+            <a:r>
+              <a:rPr lang="km-KH" dirty="0" smtClean="0">
+                <a:latin typeface="Khmer OS Battambang" panose="02000500000000020004" pitchFamily="2" charset="0"/>
+                <a:cs typeface="Khmer OS Battambang" panose="02000500000000020004" pitchFamily="2" charset="0"/>
+              </a:rPr>
+              <a:t>សម្រាប់បង្កើត </a:t>
+            </a:r>
+            <a:r>
+              <a:rPr lang="en-US" dirty="0" smtClean="0">
+                <a:latin typeface="Khmer OS Battambang" panose="02000500000000020004" pitchFamily="2" charset="0"/>
+                <a:cs typeface="Khmer OS Battambang" panose="02000500000000020004" pitchFamily="2" charset="0"/>
+              </a:rPr>
+              <a:t>Menu</a:t>
+            </a:r>
+            <a:endParaRPr lang="en-US" dirty="0">
+              <a:latin typeface="Khmer OS Battambang" panose="02000500000000020004" pitchFamily="2" charset="0"/>
+              <a:cs typeface="Khmer OS Battambang" panose="02000500000000020004" pitchFamily="2" charset="0"/>
+            </a:endParaRPr>
+          </a:p>
+        </p:txBody>
+      </p:sp>
+      <p:cxnSp>
+        <p:nvCxnSpPr>
+          <p:cNvPr id="15" name="Straight Arrow Connector 14"/>
+          <p:cNvCxnSpPr>
+            <a:stCxn id="13" idx="3"/>
+            <a:endCxn id="14" idx="1"/>
+          </p:cNvCxnSpPr>
+          <p:nvPr/>
+        </p:nvCxnSpPr>
+        <p:spPr>
+          <a:xfrm flipV="1">
+            <a:off x="6923313" y="2489200"/>
+            <a:ext cx="1069077" cy="149860"/>
+          </a:xfrm>
+          <a:prstGeom prst="straightConnector1">
+            <a:avLst/>
+          </a:prstGeom>
+          <a:ln w="28575">
+            <a:solidFill>
+              <a:srgbClr val="FF0000"/>
+            </a:solidFill>
+            <a:tailEnd type="triangle"/>
+          </a:ln>
+        </p:spPr>
+        <p:style>
+          <a:lnRef idx="1">
+            <a:schemeClr val="accent1"/>
+          </a:lnRef>
+          <a:fillRef idx="0">
+            <a:schemeClr val="accent1"/>
+          </a:fillRef>
+          <a:effectRef idx="0">
+            <a:schemeClr val="accent1"/>
+          </a:effectRef>
+          <a:fontRef idx="minor">
+            <a:schemeClr val="tx1"/>
+          </a:fontRef>
+        </p:style>
+      </p:cxnSp>
+      <p:sp>
+        <p:nvSpPr>
+          <p:cNvPr id="22" name="Rectangle 21"/>
+          <p:cNvSpPr/>
+          <p:nvPr/>
+        </p:nvSpPr>
+        <p:spPr>
+          <a:xfrm>
+            <a:off x="1333500" y="4267091"/>
+            <a:ext cx="6658890" cy="589389"/>
+          </a:xfrm>
+          <a:prstGeom prst="rect">
+            <a:avLst/>
+          </a:prstGeom>
+          <a:noFill/>
+          <a:ln w="28575">
+            <a:solidFill>
+              <a:srgbClr val="FF0000"/>
+            </a:solidFill>
+          </a:ln>
+        </p:spPr>
+        <p:style>
+          <a:lnRef idx="2">
+            <a:schemeClr val="accent1">
+              <a:shade val="50000"/>
+            </a:schemeClr>
+          </a:lnRef>
+          <a:fillRef idx="1">
+            <a:schemeClr val="accent1"/>
+          </a:fillRef>
+          <a:effectRef idx="0">
+            <a:schemeClr val="accent1"/>
+          </a:effectRef>
+          <a:fontRef idx="minor">
+            <a:schemeClr val="lt1"/>
+          </a:fontRef>
+        </p:style>
+        <p:txBody>
+          <a:bodyPr rtlCol="0" anchor="ctr"/>
+          <a:lstStyle/>
+          <a:p>
+            <a:pPr algn="ctr"/>
+            <a:endParaRPr lang="en-US"/>
+          </a:p>
+        </p:txBody>
+      </p:sp>
+      <p:sp>
+        <p:nvSpPr>
+          <p:cNvPr id="24" name="TextBox 23"/>
+          <p:cNvSpPr txBox="1"/>
+          <p:nvPr/>
+        </p:nvSpPr>
+        <p:spPr>
+          <a:xfrm>
+            <a:off x="8525863" y="4267091"/>
+            <a:ext cx="2912674" cy="369332"/>
+          </a:xfrm>
+          <a:prstGeom prst="rect">
+            <a:avLst/>
+          </a:prstGeom>
+          <a:noFill/>
+        </p:spPr>
+        <p:txBody>
+          <a:bodyPr wrap="square" rtlCol="0">
+            <a:spAutoFit/>
+          </a:bodyPr>
+          <a:lstStyle/>
+          <a:p>
+            <a:r>
+              <a:rPr lang="km-KH" dirty="0" smtClean="0">
+                <a:latin typeface="Khmer OS Battambang" panose="02000500000000020004" pitchFamily="2" charset="0"/>
+                <a:cs typeface="Khmer OS Battambang" panose="02000500000000020004" pitchFamily="2" charset="0"/>
+              </a:rPr>
+              <a:t>សម្រាប់បង្កើត </a:t>
+            </a:r>
+            <a:r>
+              <a:rPr lang="en-US" dirty="0" smtClean="0">
+                <a:latin typeface="Khmer OS Battambang" panose="02000500000000020004" pitchFamily="2" charset="0"/>
+                <a:cs typeface="Khmer OS Battambang" panose="02000500000000020004" pitchFamily="2" charset="0"/>
+              </a:rPr>
+              <a:t>Text box</a:t>
+            </a:r>
+            <a:endParaRPr lang="en-US" dirty="0">
+              <a:latin typeface="Khmer OS Battambang" panose="02000500000000020004" pitchFamily="2" charset="0"/>
+              <a:cs typeface="Khmer OS Battambang" panose="02000500000000020004" pitchFamily="2" charset="0"/>
+            </a:endParaRPr>
+          </a:p>
+        </p:txBody>
+      </p:sp>
+      <p:cxnSp>
+        <p:nvCxnSpPr>
+          <p:cNvPr id="25" name="Straight Arrow Connector 24"/>
+          <p:cNvCxnSpPr>
+            <a:stCxn id="22" idx="3"/>
+            <a:endCxn id="24" idx="1"/>
+          </p:cNvCxnSpPr>
+          <p:nvPr/>
+        </p:nvCxnSpPr>
+        <p:spPr>
+          <a:xfrm flipV="1">
+            <a:off x="7992390" y="4451757"/>
+            <a:ext cx="533473" cy="110029"/>
+          </a:xfrm>
+          <a:prstGeom prst="straightConnector1">
+            <a:avLst/>
+          </a:prstGeom>
+          <a:ln w="28575">
+            <a:solidFill>
+              <a:srgbClr val="FF0000"/>
+            </a:solidFill>
+            <a:tailEnd type="triangle"/>
+          </a:ln>
+        </p:spPr>
+        <p:style>
+          <a:lnRef idx="1">
+            <a:schemeClr val="accent1"/>
+          </a:lnRef>
+          <a:fillRef idx="0">
+            <a:schemeClr val="accent1"/>
+          </a:fillRef>
+          <a:effectRef idx="0">
+            <a:schemeClr val="accent1"/>
+          </a:effectRef>
+          <a:fontRef idx="minor">
+            <a:schemeClr val="tx1"/>
+          </a:fontRef>
+        </p:style>
+      </p:cxnSp>
+      <p:sp>
+        <p:nvSpPr>
+          <p:cNvPr id="31" name="Rectangle 30"/>
+          <p:cNvSpPr/>
+          <p:nvPr/>
+        </p:nvSpPr>
+        <p:spPr>
+          <a:xfrm>
+            <a:off x="1333499" y="4957917"/>
+            <a:ext cx="9465093" cy="614317"/>
+          </a:xfrm>
+          <a:prstGeom prst="rect">
+            <a:avLst/>
+          </a:prstGeom>
+          <a:noFill/>
+          <a:ln w="28575">
+            <a:solidFill>
+              <a:srgbClr val="FF0000"/>
+            </a:solidFill>
+          </a:ln>
+        </p:spPr>
+        <p:style>
+          <a:lnRef idx="2">
+            <a:schemeClr val="accent1">
+              <a:shade val="50000"/>
+            </a:schemeClr>
+          </a:lnRef>
+          <a:fillRef idx="1">
+            <a:schemeClr val="accent1"/>
+          </a:fillRef>
+          <a:effectRef idx="0">
+            <a:schemeClr val="accent1"/>
+          </a:effectRef>
+          <a:fontRef idx="minor">
+            <a:schemeClr val="lt1"/>
+          </a:fontRef>
+        </p:style>
+        <p:txBody>
+          <a:bodyPr rtlCol="0" anchor="ctr"/>
+          <a:lstStyle/>
+          <a:p>
+            <a:pPr algn="ctr"/>
+            <a:endParaRPr lang="en-US"/>
+          </a:p>
+        </p:txBody>
+      </p:sp>
+      <p:sp>
+        <p:nvSpPr>
+          <p:cNvPr id="33" name="TextBox 32"/>
+          <p:cNvSpPr txBox="1"/>
+          <p:nvPr/>
+        </p:nvSpPr>
+        <p:spPr>
+          <a:xfrm>
+            <a:off x="4898353" y="6140633"/>
+            <a:ext cx="2912674" cy="369332"/>
+          </a:xfrm>
+          <a:prstGeom prst="rect">
+            <a:avLst/>
+          </a:prstGeom>
+          <a:noFill/>
+        </p:spPr>
+        <p:txBody>
+          <a:bodyPr wrap="square" rtlCol="0">
+            <a:spAutoFit/>
+          </a:bodyPr>
+          <a:lstStyle/>
+          <a:p>
+            <a:r>
+              <a:rPr lang="km-KH" dirty="0" smtClean="0">
+                <a:latin typeface="Khmer OS Battambang" panose="02000500000000020004" pitchFamily="2" charset="0"/>
+                <a:cs typeface="Khmer OS Battambang" panose="02000500000000020004" pitchFamily="2" charset="0"/>
+              </a:rPr>
+              <a:t>សម្រាប់បង្កើត </a:t>
+            </a:r>
+            <a:r>
+              <a:rPr lang="en-US" dirty="0" smtClean="0">
+                <a:latin typeface="Khmer OS Battambang" panose="02000500000000020004" pitchFamily="2" charset="0"/>
+                <a:cs typeface="Khmer OS Battambang" panose="02000500000000020004" pitchFamily="2" charset="0"/>
+              </a:rPr>
+              <a:t>Button clear</a:t>
+            </a:r>
+            <a:endParaRPr lang="en-US" dirty="0">
+              <a:latin typeface="Khmer OS Battambang" panose="02000500000000020004" pitchFamily="2" charset="0"/>
+              <a:cs typeface="Khmer OS Battambang" panose="02000500000000020004" pitchFamily="2" charset="0"/>
+            </a:endParaRPr>
+          </a:p>
+        </p:txBody>
+      </p:sp>
+      <p:cxnSp>
+        <p:nvCxnSpPr>
+          <p:cNvPr id="34" name="Straight Arrow Connector 33"/>
+          <p:cNvCxnSpPr>
+            <a:stCxn id="31" idx="2"/>
+            <a:endCxn id="33" idx="0"/>
+          </p:cNvCxnSpPr>
+          <p:nvPr/>
+        </p:nvCxnSpPr>
+        <p:spPr>
+          <a:xfrm>
+            <a:off x="6066046" y="5572234"/>
+            <a:ext cx="288644" cy="568399"/>
+          </a:xfrm>
+          <a:prstGeom prst="straightConnector1">
+            <a:avLst/>
+          </a:prstGeom>
+          <a:ln w="28575">
+            <a:solidFill>
+              <a:srgbClr val="FF0000"/>
+            </a:solidFill>
+            <a:tailEnd type="triangle"/>
+          </a:ln>
+        </p:spPr>
+        <p:style>
+          <a:lnRef idx="1">
+            <a:schemeClr val="accent1"/>
+          </a:lnRef>
+          <a:fillRef idx="0">
+            <a:schemeClr val="accent1"/>
+          </a:fillRef>
+          <a:effectRef idx="0">
+            <a:schemeClr val="accent1"/>
+          </a:effectRef>
+          <a:fontRef idx="minor">
+            <a:schemeClr val="tx1"/>
+          </a:fontRef>
+        </p:style>
+      </p:cxnSp>
+    </p:spTree>
+    <p:extLst>
+      <p:ext uri="{BB962C8B-B14F-4D97-AF65-F5344CB8AC3E}">
+        <p14:creationId xmlns:p14="http://schemas.microsoft.com/office/powerpoint/2010/main" val="362542274"/>
+      </p:ext>
+    </p:extLst>
+  </p:cSld>
+  <p:clrMapOvr>
+    <a:masterClrMapping/>
+  </p:clrMapOvr>
+</p:sld>
+</file>
+
+<file path=ppt/slides/slide16.xml><?xml version="1.0" encoding="utf-8"?>
+<p:sld xmlns:a="http://schemas.openxmlformats.org/drawingml/2006/main" xmlns:r="http://schemas.openxmlformats.org/officeDocument/2006/relationships" xmlns:p="http://schemas.openxmlformats.org/presentationml/2006/main">
+  <p:cSld>
+    <p:spTree>
+      <p:nvGrpSpPr>
+        <p:cNvPr id="1" name=""/>
+        <p:cNvGrpSpPr/>
+        <p:nvPr/>
+      </p:nvGrpSpPr>
+      <p:grpSpPr>
+        <a:xfrm>
+          <a:off x="0" y="0"/>
+          <a:ext cx="0" cy="0"/>
+          <a:chOff x="0" y="0"/>
+          <a:chExt cx="0" cy="0"/>
+        </a:xfrm>
+      </p:grpSpPr>
+      <p:sp>
+        <p:nvSpPr>
+          <p:cNvPr id="4" name="Slide Number Placeholder 3"/>
+          <p:cNvSpPr>
+            <a:spLocks noGrp="1"/>
+          </p:cNvSpPr>
+          <p:nvPr>
+            <p:ph type="sldNum" sz="quarter" idx="12"/>
+          </p:nvPr>
+        </p:nvSpPr>
+        <p:spPr/>
+        <p:txBody>
+          <a:bodyPr/>
+          <a:lstStyle/>
+          <a:p>
+            <a:fld id="{C65BF232-D96C-4BCE-A65E-27CEBC75B45B}" type="slidenum">
+              <a:rPr lang="en-US" smtClean="0"/>
+              <a:t>16</a:t>
+            </a:fld>
+            <a:endParaRPr lang="en-US"/>
+          </a:p>
+        </p:txBody>
+      </p:sp>
+      <p:pic>
+        <p:nvPicPr>
+          <p:cNvPr id="5" name="Picture 4"/>
+          <p:cNvPicPr>
+            <a:picLocks noChangeAspect="1"/>
+          </p:cNvPicPr>
+          <p:nvPr/>
+        </p:nvPicPr>
+        <p:blipFill>
+          <a:blip r:embed="rId2"/>
+          <a:stretch>
+            <a:fillRect/>
+          </a:stretch>
+        </p:blipFill>
+        <p:spPr>
+          <a:xfrm>
+            <a:off x="317127" y="291632"/>
+            <a:ext cx="11557747" cy="3617766"/>
+          </a:xfrm>
+          <a:prstGeom prst="rect">
+            <a:avLst/>
+          </a:prstGeom>
+        </p:spPr>
+      </p:pic>
+      <p:sp>
+        <p:nvSpPr>
+          <p:cNvPr id="6" name="Rectangle 5"/>
+          <p:cNvSpPr/>
+          <p:nvPr/>
+        </p:nvSpPr>
+        <p:spPr>
+          <a:xfrm>
+            <a:off x="1363453" y="3156011"/>
+            <a:ext cx="9465093" cy="614317"/>
+          </a:xfrm>
+          <a:prstGeom prst="rect">
+            <a:avLst/>
+          </a:prstGeom>
+          <a:noFill/>
+          <a:ln w="28575">
+            <a:solidFill>
+              <a:srgbClr val="FF0000"/>
+            </a:solidFill>
+          </a:ln>
+        </p:spPr>
+        <p:style>
+          <a:lnRef idx="2">
+            <a:schemeClr val="accent1">
+              <a:shade val="50000"/>
+            </a:schemeClr>
+          </a:lnRef>
+          <a:fillRef idx="1">
+            <a:schemeClr val="accent1"/>
+          </a:fillRef>
+          <a:effectRef idx="0">
+            <a:schemeClr val="accent1"/>
+          </a:effectRef>
+          <a:fontRef idx="minor">
+            <a:schemeClr val="lt1"/>
+          </a:fontRef>
+        </p:style>
+        <p:txBody>
+          <a:bodyPr rtlCol="0" anchor="ctr"/>
+          <a:lstStyle/>
+          <a:p>
+            <a:pPr algn="ctr"/>
+            <a:endParaRPr lang="en-US"/>
+          </a:p>
+        </p:txBody>
+      </p:sp>
+      <p:sp>
+        <p:nvSpPr>
+          <p:cNvPr id="7" name="TextBox 6"/>
+          <p:cNvSpPr txBox="1"/>
+          <p:nvPr/>
+        </p:nvSpPr>
+        <p:spPr>
+          <a:xfrm>
+            <a:off x="1536588" y="4190809"/>
+            <a:ext cx="7580518" cy="369332"/>
+          </a:xfrm>
+          <a:prstGeom prst="rect">
+            <a:avLst/>
+          </a:prstGeom>
+          <a:noFill/>
+        </p:spPr>
+        <p:txBody>
+          <a:bodyPr wrap="square" rtlCol="0">
+            <a:spAutoFit/>
+          </a:bodyPr>
+          <a:lstStyle/>
+          <a:p>
+            <a:r>
+              <a:rPr lang="km-KH" dirty="0" smtClean="0">
+                <a:latin typeface="Khmer OS Battambang" panose="02000500000000020004" pitchFamily="2" charset="0"/>
+                <a:cs typeface="Khmer OS Battambang" panose="02000500000000020004" pitchFamily="2" charset="0"/>
+              </a:rPr>
+              <a:t>សម្រាប់បង្កើត </a:t>
+            </a:r>
+            <a:r>
+              <a:rPr lang="en-US" dirty="0" smtClean="0">
+                <a:latin typeface="Khmer OS Battambang" panose="02000500000000020004" pitchFamily="2" charset="0"/>
+                <a:cs typeface="Khmer OS Battambang" panose="02000500000000020004" pitchFamily="2" charset="0"/>
+              </a:rPr>
+              <a:t>Button “ </a:t>
+            </a:r>
+            <a:r>
+              <a:rPr lang="en-US" dirty="0" smtClean="0">
+                <a:solidFill>
+                  <a:srgbClr val="FFFF00"/>
+                </a:solidFill>
+                <a:latin typeface="Khmer OS Battambang" panose="02000500000000020004" pitchFamily="2" charset="0"/>
+                <a:cs typeface="Khmer OS Battambang" panose="02000500000000020004" pitchFamily="2" charset="0"/>
+              </a:rPr>
+              <a:t>=</a:t>
+            </a:r>
+            <a:r>
+              <a:rPr lang="en-US" dirty="0" smtClean="0">
+                <a:latin typeface="Khmer OS Battambang" panose="02000500000000020004" pitchFamily="2" charset="0"/>
+                <a:cs typeface="Khmer OS Battambang" panose="02000500000000020004" pitchFamily="2" charset="0"/>
+              </a:rPr>
+              <a:t> “ </a:t>
+            </a:r>
+            <a:r>
+              <a:rPr lang="km-KH" dirty="0" smtClean="0">
+                <a:latin typeface="Khmer OS Battambang" panose="02000500000000020004" pitchFamily="2" charset="0"/>
+                <a:cs typeface="Khmer OS Battambang" panose="02000500000000020004" pitchFamily="2" charset="0"/>
+              </a:rPr>
+              <a:t>ដើម្បីធ្វើការគណនា</a:t>
+            </a:r>
+            <a:endParaRPr lang="en-US" dirty="0">
+              <a:latin typeface="Khmer OS Battambang" panose="02000500000000020004" pitchFamily="2" charset="0"/>
+              <a:cs typeface="Khmer OS Battambang" panose="02000500000000020004" pitchFamily="2" charset="0"/>
+            </a:endParaRPr>
+          </a:p>
+        </p:txBody>
+      </p:sp>
+      <p:cxnSp>
+        <p:nvCxnSpPr>
+          <p:cNvPr id="9" name="Elbow Connector 8"/>
+          <p:cNvCxnSpPr>
+            <a:stCxn id="6" idx="1"/>
+            <a:endCxn id="7" idx="1"/>
+          </p:cNvCxnSpPr>
+          <p:nvPr/>
+        </p:nvCxnSpPr>
+        <p:spPr>
+          <a:xfrm rot="10800000" flipH="1" flipV="1">
+            <a:off x="1363452" y="3463169"/>
+            <a:ext cx="173135" cy="912305"/>
+          </a:xfrm>
+          <a:prstGeom prst="bentConnector3">
+            <a:avLst>
+              <a:gd name="adj1" fmla="val -93202"/>
+            </a:avLst>
+          </a:prstGeom>
+          <a:ln w="28575">
+            <a:solidFill>
+              <a:srgbClr val="FF0000"/>
+            </a:solidFill>
+            <a:tailEnd type="triangle"/>
+          </a:ln>
+        </p:spPr>
+        <p:style>
+          <a:lnRef idx="1">
+            <a:schemeClr val="accent1"/>
+          </a:lnRef>
+          <a:fillRef idx="0">
+            <a:schemeClr val="accent1"/>
+          </a:fillRef>
+          <a:effectRef idx="0">
+            <a:schemeClr val="accent1"/>
+          </a:effectRef>
+          <a:fontRef idx="minor">
+            <a:schemeClr val="tx1"/>
+          </a:fontRef>
+        </p:style>
+      </p:cxnSp>
+      <p:sp>
+        <p:nvSpPr>
+          <p:cNvPr id="12" name="Rectangle 11"/>
+          <p:cNvSpPr/>
+          <p:nvPr/>
+        </p:nvSpPr>
+        <p:spPr>
+          <a:xfrm>
+            <a:off x="1363453" y="2500206"/>
+            <a:ext cx="9990347" cy="543629"/>
+          </a:xfrm>
+          <a:prstGeom prst="rect">
+            <a:avLst/>
+          </a:prstGeom>
+          <a:noFill/>
+          <a:ln w="28575">
+            <a:solidFill>
+              <a:srgbClr val="FF0000"/>
+            </a:solidFill>
+          </a:ln>
+        </p:spPr>
+        <p:style>
+          <a:lnRef idx="2">
+            <a:schemeClr val="accent1">
+              <a:shade val="50000"/>
+            </a:schemeClr>
+          </a:lnRef>
+          <a:fillRef idx="1">
+            <a:schemeClr val="accent1"/>
+          </a:fillRef>
+          <a:effectRef idx="0">
+            <a:schemeClr val="accent1"/>
+          </a:effectRef>
+          <a:fontRef idx="minor">
+            <a:schemeClr val="lt1"/>
+          </a:fontRef>
+        </p:style>
+        <p:txBody>
+          <a:bodyPr rtlCol="0" anchor="ctr"/>
+          <a:lstStyle/>
+          <a:p>
+            <a:pPr algn="ctr"/>
+            <a:endParaRPr lang="en-US"/>
+          </a:p>
+        </p:txBody>
+      </p:sp>
+      <p:sp>
+        <p:nvSpPr>
+          <p:cNvPr id="14" name="TextBox 13"/>
+          <p:cNvSpPr txBox="1"/>
+          <p:nvPr/>
+        </p:nvSpPr>
+        <p:spPr>
+          <a:xfrm>
+            <a:off x="1536586" y="4610142"/>
+            <a:ext cx="7074013" cy="369332"/>
+          </a:xfrm>
+          <a:prstGeom prst="rect">
+            <a:avLst/>
+          </a:prstGeom>
+          <a:noFill/>
+        </p:spPr>
+        <p:txBody>
+          <a:bodyPr wrap="square" rtlCol="0">
+            <a:spAutoFit/>
+          </a:bodyPr>
+          <a:lstStyle/>
+          <a:p>
+            <a:r>
+              <a:rPr lang="km-KH" dirty="0" smtClean="0">
+                <a:latin typeface="Khmer OS Battambang" panose="02000500000000020004" pitchFamily="2" charset="0"/>
+                <a:cs typeface="Khmer OS Battambang" panose="02000500000000020004" pitchFamily="2" charset="0"/>
+              </a:rPr>
+              <a:t>សម្រាប់បង្កើត </a:t>
+            </a:r>
+            <a:r>
+              <a:rPr lang="en-US" dirty="0" smtClean="0">
+                <a:latin typeface="Khmer OS Battambang" panose="02000500000000020004" pitchFamily="2" charset="0"/>
+                <a:cs typeface="Khmer OS Battambang" panose="02000500000000020004" pitchFamily="2" charset="0"/>
+              </a:rPr>
+              <a:t>Button “</a:t>
+            </a:r>
+            <a:r>
+              <a:rPr lang="en-US" dirty="0" smtClean="0">
+                <a:solidFill>
+                  <a:srgbClr val="FFFF00"/>
+                </a:solidFill>
+                <a:latin typeface="Khmer OS Battambang" panose="02000500000000020004" pitchFamily="2" charset="0"/>
+                <a:cs typeface="Khmer OS Battambang" panose="02000500000000020004" pitchFamily="2" charset="0"/>
+              </a:rPr>
+              <a:t> +</a:t>
+            </a:r>
+            <a:r>
+              <a:rPr lang="en-US" dirty="0" smtClean="0">
+                <a:latin typeface="Khmer OS Battambang" panose="02000500000000020004" pitchFamily="2" charset="0"/>
+                <a:cs typeface="Khmer OS Battambang" panose="02000500000000020004" pitchFamily="2" charset="0"/>
+              </a:rPr>
+              <a:t> “</a:t>
+            </a:r>
+            <a:r>
+              <a:rPr lang="km-KH" dirty="0" smtClean="0">
+                <a:latin typeface="Khmer OS Battambang" panose="02000500000000020004" pitchFamily="2" charset="0"/>
+                <a:cs typeface="Khmer OS Battambang" panose="02000500000000020004" pitchFamily="2" charset="0"/>
+              </a:rPr>
+              <a:t> ដើម្បីធ្វើផលបូក</a:t>
+            </a:r>
+            <a:endParaRPr lang="en-US" dirty="0">
+              <a:latin typeface="Khmer OS Battambang" panose="02000500000000020004" pitchFamily="2" charset="0"/>
+              <a:cs typeface="Khmer OS Battambang" panose="02000500000000020004" pitchFamily="2" charset="0"/>
+            </a:endParaRPr>
+          </a:p>
+        </p:txBody>
+      </p:sp>
+      <p:sp>
+        <p:nvSpPr>
+          <p:cNvPr id="15" name="Rectangle 14"/>
+          <p:cNvSpPr/>
+          <p:nvPr/>
+        </p:nvSpPr>
+        <p:spPr>
+          <a:xfrm>
+            <a:off x="1363452" y="1824232"/>
+            <a:ext cx="10201019" cy="543629"/>
+          </a:xfrm>
+          <a:prstGeom prst="rect">
+            <a:avLst/>
+          </a:prstGeom>
+          <a:noFill/>
+          <a:ln w="28575">
+            <a:solidFill>
+              <a:srgbClr val="FF0000"/>
+            </a:solidFill>
+          </a:ln>
+        </p:spPr>
+        <p:style>
+          <a:lnRef idx="2">
+            <a:schemeClr val="accent1">
+              <a:shade val="50000"/>
+            </a:schemeClr>
+          </a:lnRef>
+          <a:fillRef idx="1">
+            <a:schemeClr val="accent1"/>
+          </a:fillRef>
+          <a:effectRef idx="0">
+            <a:schemeClr val="accent1"/>
+          </a:effectRef>
+          <a:fontRef idx="minor">
+            <a:schemeClr val="lt1"/>
+          </a:fontRef>
+        </p:style>
+        <p:txBody>
+          <a:bodyPr rtlCol="0" anchor="ctr"/>
+          <a:lstStyle/>
+          <a:p>
+            <a:pPr algn="ctr"/>
+            <a:endParaRPr lang="en-US"/>
+          </a:p>
+        </p:txBody>
+      </p:sp>
+      <p:sp>
+        <p:nvSpPr>
+          <p:cNvPr id="16" name="Rectangle 15"/>
+          <p:cNvSpPr/>
+          <p:nvPr/>
+        </p:nvSpPr>
+        <p:spPr>
+          <a:xfrm>
+            <a:off x="1363452" y="1154980"/>
+            <a:ext cx="10389277" cy="543629"/>
+          </a:xfrm>
+          <a:prstGeom prst="rect">
+            <a:avLst/>
+          </a:prstGeom>
+          <a:noFill/>
+          <a:ln w="28575">
+            <a:solidFill>
+              <a:srgbClr val="FF0000"/>
+            </a:solidFill>
+          </a:ln>
+        </p:spPr>
+        <p:style>
+          <a:lnRef idx="2">
+            <a:schemeClr val="accent1">
+              <a:shade val="50000"/>
+            </a:schemeClr>
+          </a:lnRef>
+          <a:fillRef idx="1">
+            <a:schemeClr val="accent1"/>
+          </a:fillRef>
+          <a:effectRef idx="0">
+            <a:schemeClr val="accent1"/>
+          </a:effectRef>
+          <a:fontRef idx="minor">
+            <a:schemeClr val="lt1"/>
+          </a:fontRef>
+        </p:style>
+        <p:txBody>
+          <a:bodyPr rtlCol="0" anchor="ctr"/>
+          <a:lstStyle/>
+          <a:p>
+            <a:pPr algn="ctr"/>
+            <a:endParaRPr lang="en-US"/>
+          </a:p>
+        </p:txBody>
+      </p:sp>
+      <p:sp>
+        <p:nvSpPr>
+          <p:cNvPr id="17" name="Rectangle 16"/>
+          <p:cNvSpPr/>
+          <p:nvPr/>
+        </p:nvSpPr>
+        <p:spPr>
+          <a:xfrm>
+            <a:off x="1363452" y="465559"/>
+            <a:ext cx="10201020" cy="543629"/>
+          </a:xfrm>
+          <a:prstGeom prst="rect">
+            <a:avLst/>
+          </a:prstGeom>
+          <a:noFill/>
+          <a:ln w="28575">
+            <a:solidFill>
+              <a:srgbClr val="FF0000"/>
+            </a:solidFill>
+          </a:ln>
+        </p:spPr>
+        <p:style>
+          <a:lnRef idx="2">
+            <a:schemeClr val="accent1">
+              <a:shade val="50000"/>
+            </a:schemeClr>
+          </a:lnRef>
+          <a:fillRef idx="1">
+            <a:schemeClr val="accent1"/>
+          </a:fillRef>
+          <a:effectRef idx="0">
+            <a:schemeClr val="accent1"/>
+          </a:effectRef>
+          <a:fontRef idx="minor">
+            <a:schemeClr val="lt1"/>
+          </a:fontRef>
+        </p:style>
+        <p:txBody>
+          <a:bodyPr rtlCol="0" anchor="ctr"/>
+          <a:lstStyle/>
+          <a:p>
+            <a:pPr algn="ctr"/>
+            <a:endParaRPr lang="en-US"/>
+          </a:p>
+        </p:txBody>
+      </p:sp>
+      <p:sp>
+        <p:nvSpPr>
+          <p:cNvPr id="18" name="TextBox 17"/>
+          <p:cNvSpPr txBox="1"/>
+          <p:nvPr/>
+        </p:nvSpPr>
+        <p:spPr>
+          <a:xfrm>
+            <a:off x="1536587" y="5029475"/>
+            <a:ext cx="7074012" cy="369332"/>
+          </a:xfrm>
+          <a:prstGeom prst="rect">
+            <a:avLst/>
+          </a:prstGeom>
+          <a:noFill/>
+        </p:spPr>
+        <p:txBody>
+          <a:bodyPr wrap="square" rtlCol="0">
+            <a:spAutoFit/>
+          </a:bodyPr>
+          <a:lstStyle/>
+          <a:p>
+            <a:r>
+              <a:rPr lang="km-KH" dirty="0" smtClean="0">
+                <a:latin typeface="Khmer OS Battambang" panose="02000500000000020004" pitchFamily="2" charset="0"/>
+                <a:cs typeface="Khmer OS Battambang" panose="02000500000000020004" pitchFamily="2" charset="0"/>
+              </a:rPr>
+              <a:t>សម្រាប់បង្កើត </a:t>
+            </a:r>
+            <a:r>
+              <a:rPr lang="en-US" dirty="0" smtClean="0">
+                <a:latin typeface="Khmer OS Battambang" panose="02000500000000020004" pitchFamily="2" charset="0"/>
+                <a:cs typeface="Khmer OS Battambang" panose="02000500000000020004" pitchFamily="2" charset="0"/>
+              </a:rPr>
+              <a:t>Button “</a:t>
+            </a:r>
+            <a:r>
+              <a:rPr lang="en-US" dirty="0" smtClean="0">
+                <a:solidFill>
+                  <a:srgbClr val="FFFF00"/>
+                </a:solidFill>
+                <a:latin typeface="Khmer OS Battambang" panose="02000500000000020004" pitchFamily="2" charset="0"/>
+                <a:cs typeface="Khmer OS Battambang" panose="02000500000000020004" pitchFamily="2" charset="0"/>
+              </a:rPr>
+              <a:t> -</a:t>
+            </a:r>
+            <a:r>
+              <a:rPr lang="en-US" dirty="0" smtClean="0">
+                <a:latin typeface="Khmer OS Battambang" panose="02000500000000020004" pitchFamily="2" charset="0"/>
+                <a:cs typeface="Khmer OS Battambang" panose="02000500000000020004" pitchFamily="2" charset="0"/>
+              </a:rPr>
+              <a:t> “</a:t>
+            </a:r>
+            <a:r>
+              <a:rPr lang="km-KH" dirty="0" smtClean="0">
+                <a:latin typeface="Khmer OS Battambang" panose="02000500000000020004" pitchFamily="2" charset="0"/>
+                <a:cs typeface="Khmer OS Battambang" panose="02000500000000020004" pitchFamily="2" charset="0"/>
+              </a:rPr>
+              <a:t> ដើម្បីធ្វើផលដក</a:t>
+            </a:r>
+            <a:endParaRPr lang="en-US" dirty="0">
+              <a:latin typeface="Khmer OS Battambang" panose="02000500000000020004" pitchFamily="2" charset="0"/>
+              <a:cs typeface="Khmer OS Battambang" panose="02000500000000020004" pitchFamily="2" charset="0"/>
+            </a:endParaRPr>
+          </a:p>
+        </p:txBody>
+      </p:sp>
+      <p:sp>
+        <p:nvSpPr>
+          <p:cNvPr id="19" name="TextBox 18"/>
+          <p:cNvSpPr txBox="1"/>
+          <p:nvPr/>
+        </p:nvSpPr>
+        <p:spPr>
+          <a:xfrm>
+            <a:off x="1536587" y="5448808"/>
+            <a:ext cx="7074012" cy="369332"/>
+          </a:xfrm>
+          <a:prstGeom prst="rect">
+            <a:avLst/>
+          </a:prstGeom>
+          <a:noFill/>
+        </p:spPr>
+        <p:txBody>
+          <a:bodyPr wrap="square" rtlCol="0">
+            <a:spAutoFit/>
+          </a:bodyPr>
+          <a:lstStyle/>
+          <a:p>
+            <a:r>
+              <a:rPr lang="km-KH" dirty="0" smtClean="0">
+                <a:latin typeface="Khmer OS Battambang" panose="02000500000000020004" pitchFamily="2" charset="0"/>
+                <a:cs typeface="Khmer OS Battambang" panose="02000500000000020004" pitchFamily="2" charset="0"/>
+              </a:rPr>
+              <a:t>សម្រាប់បង្កើត </a:t>
+            </a:r>
+            <a:r>
+              <a:rPr lang="en-US" dirty="0" smtClean="0">
+                <a:latin typeface="Khmer OS Battambang" panose="02000500000000020004" pitchFamily="2" charset="0"/>
+                <a:cs typeface="Khmer OS Battambang" panose="02000500000000020004" pitchFamily="2" charset="0"/>
+              </a:rPr>
+              <a:t>Button “</a:t>
+            </a:r>
+            <a:r>
+              <a:rPr lang="en-US" dirty="0" smtClean="0">
+                <a:solidFill>
+                  <a:srgbClr val="FFFF00"/>
+                </a:solidFill>
+                <a:latin typeface="Khmer OS Battambang" panose="02000500000000020004" pitchFamily="2" charset="0"/>
+                <a:cs typeface="Khmer OS Battambang" panose="02000500000000020004" pitchFamily="2" charset="0"/>
+              </a:rPr>
+              <a:t> *</a:t>
+            </a:r>
+            <a:r>
+              <a:rPr lang="en-US" dirty="0" smtClean="0">
+                <a:latin typeface="Khmer OS Battambang" panose="02000500000000020004" pitchFamily="2" charset="0"/>
+                <a:cs typeface="Khmer OS Battambang" panose="02000500000000020004" pitchFamily="2" charset="0"/>
+              </a:rPr>
+              <a:t> “</a:t>
+            </a:r>
+            <a:r>
+              <a:rPr lang="km-KH" dirty="0" smtClean="0">
+                <a:latin typeface="Khmer OS Battambang" panose="02000500000000020004" pitchFamily="2" charset="0"/>
+                <a:cs typeface="Khmer OS Battambang" panose="02000500000000020004" pitchFamily="2" charset="0"/>
+              </a:rPr>
+              <a:t> ដើម្បីធ្វើផលគុណ</a:t>
+            </a:r>
+            <a:endParaRPr lang="en-US" dirty="0">
+              <a:latin typeface="Khmer OS Battambang" panose="02000500000000020004" pitchFamily="2" charset="0"/>
+              <a:cs typeface="Khmer OS Battambang" panose="02000500000000020004" pitchFamily="2" charset="0"/>
+            </a:endParaRPr>
+          </a:p>
+        </p:txBody>
+      </p:sp>
+      <p:sp>
+        <p:nvSpPr>
+          <p:cNvPr id="20" name="TextBox 19"/>
+          <p:cNvSpPr txBox="1"/>
+          <p:nvPr/>
+        </p:nvSpPr>
+        <p:spPr>
+          <a:xfrm>
+            <a:off x="1536587" y="5870890"/>
+            <a:ext cx="7074012" cy="369332"/>
+          </a:xfrm>
+          <a:prstGeom prst="rect">
+            <a:avLst/>
+          </a:prstGeom>
+          <a:noFill/>
+        </p:spPr>
+        <p:txBody>
+          <a:bodyPr wrap="square" rtlCol="0">
+            <a:spAutoFit/>
+          </a:bodyPr>
+          <a:lstStyle/>
+          <a:p>
+            <a:r>
+              <a:rPr lang="km-KH" dirty="0" smtClean="0">
+                <a:latin typeface="Khmer OS Battambang" panose="02000500000000020004" pitchFamily="2" charset="0"/>
+                <a:cs typeface="Khmer OS Battambang" panose="02000500000000020004" pitchFamily="2" charset="0"/>
+              </a:rPr>
+              <a:t>សម្រាប់បង្កើត </a:t>
+            </a:r>
+            <a:r>
+              <a:rPr lang="en-US" dirty="0" smtClean="0">
+                <a:latin typeface="Khmer OS Battambang" panose="02000500000000020004" pitchFamily="2" charset="0"/>
+                <a:cs typeface="Khmer OS Battambang" panose="02000500000000020004" pitchFamily="2" charset="0"/>
+              </a:rPr>
+              <a:t>Button “</a:t>
+            </a:r>
+            <a:r>
+              <a:rPr lang="en-US" dirty="0" smtClean="0">
+                <a:solidFill>
+                  <a:srgbClr val="FFFF00"/>
+                </a:solidFill>
+                <a:latin typeface="Khmer OS Battambang" panose="02000500000000020004" pitchFamily="2" charset="0"/>
+                <a:cs typeface="Khmer OS Battambang" panose="02000500000000020004" pitchFamily="2" charset="0"/>
+              </a:rPr>
+              <a:t> /</a:t>
+            </a:r>
+            <a:r>
+              <a:rPr lang="en-US" dirty="0" smtClean="0">
+                <a:latin typeface="Khmer OS Battambang" panose="02000500000000020004" pitchFamily="2" charset="0"/>
+                <a:cs typeface="Khmer OS Battambang" panose="02000500000000020004" pitchFamily="2" charset="0"/>
+              </a:rPr>
+              <a:t> “</a:t>
+            </a:r>
+            <a:r>
+              <a:rPr lang="km-KH" dirty="0" smtClean="0">
+                <a:latin typeface="Khmer OS Battambang" panose="02000500000000020004" pitchFamily="2" charset="0"/>
+                <a:cs typeface="Khmer OS Battambang" panose="02000500000000020004" pitchFamily="2" charset="0"/>
+              </a:rPr>
+              <a:t> ដើម្បីធ្វើផលចែក</a:t>
+            </a:r>
+            <a:endParaRPr lang="en-US" dirty="0">
+              <a:latin typeface="Khmer OS Battambang" panose="02000500000000020004" pitchFamily="2" charset="0"/>
+              <a:cs typeface="Khmer OS Battambang" panose="02000500000000020004" pitchFamily="2" charset="0"/>
+            </a:endParaRPr>
+          </a:p>
+        </p:txBody>
+      </p:sp>
+      <p:cxnSp>
+        <p:nvCxnSpPr>
+          <p:cNvPr id="23" name="Elbow Connector 22"/>
+          <p:cNvCxnSpPr>
+            <a:stCxn id="12" idx="1"/>
+            <a:endCxn id="14" idx="1"/>
+          </p:cNvCxnSpPr>
+          <p:nvPr/>
+        </p:nvCxnSpPr>
+        <p:spPr>
+          <a:xfrm rot="10800000" flipH="1" flipV="1">
+            <a:off x="1363452" y="2772020"/>
+            <a:ext cx="173133" cy="2022787"/>
+          </a:xfrm>
+          <a:prstGeom prst="bentConnector3">
+            <a:avLst>
+              <a:gd name="adj1" fmla="val -201939"/>
+            </a:avLst>
+          </a:prstGeom>
+          <a:ln w="28575">
+            <a:solidFill>
+              <a:srgbClr val="FF0000"/>
+            </a:solidFill>
+            <a:tailEnd type="triangle"/>
+          </a:ln>
+        </p:spPr>
+        <p:style>
+          <a:lnRef idx="1">
+            <a:schemeClr val="accent1"/>
+          </a:lnRef>
+          <a:fillRef idx="0">
+            <a:schemeClr val="accent1"/>
+          </a:fillRef>
+          <a:effectRef idx="0">
+            <a:schemeClr val="accent1"/>
+          </a:effectRef>
+          <a:fontRef idx="minor">
+            <a:schemeClr val="tx1"/>
+          </a:fontRef>
+        </p:style>
+      </p:cxnSp>
+      <p:cxnSp>
+        <p:nvCxnSpPr>
+          <p:cNvPr id="28" name="Elbow Connector 27"/>
+          <p:cNvCxnSpPr>
+            <a:stCxn id="15" idx="1"/>
+            <a:endCxn id="18" idx="1"/>
+          </p:cNvCxnSpPr>
+          <p:nvPr/>
+        </p:nvCxnSpPr>
+        <p:spPr>
+          <a:xfrm rot="10800000" flipH="1" flipV="1">
+            <a:off x="1363451" y="2096047"/>
+            <a:ext cx="173135" cy="3118094"/>
+          </a:xfrm>
+          <a:prstGeom prst="bentConnector3">
+            <a:avLst>
+              <a:gd name="adj1" fmla="val -318440"/>
+            </a:avLst>
+          </a:prstGeom>
+          <a:ln w="28575">
+            <a:solidFill>
+              <a:srgbClr val="FF0000"/>
+            </a:solidFill>
+            <a:tailEnd type="triangle"/>
+          </a:ln>
+        </p:spPr>
+        <p:style>
+          <a:lnRef idx="1">
+            <a:schemeClr val="accent1"/>
+          </a:lnRef>
+          <a:fillRef idx="0">
+            <a:schemeClr val="accent1"/>
+          </a:fillRef>
+          <a:effectRef idx="0">
+            <a:schemeClr val="accent1"/>
+          </a:effectRef>
+          <a:fontRef idx="minor">
+            <a:schemeClr val="tx1"/>
+          </a:fontRef>
+        </p:style>
+      </p:cxnSp>
+      <p:cxnSp>
+        <p:nvCxnSpPr>
+          <p:cNvPr id="31" name="Elbow Connector 30"/>
+          <p:cNvCxnSpPr>
+            <a:stCxn id="16" idx="1"/>
+            <a:endCxn id="19" idx="1"/>
+          </p:cNvCxnSpPr>
+          <p:nvPr/>
+        </p:nvCxnSpPr>
+        <p:spPr>
+          <a:xfrm rot="10800000" flipH="1" flipV="1">
+            <a:off x="1363451" y="1426794"/>
+            <a:ext cx="173135" cy="4206679"/>
+          </a:xfrm>
+          <a:prstGeom prst="bentConnector3">
+            <a:avLst>
+              <a:gd name="adj1" fmla="val -450475"/>
+            </a:avLst>
+          </a:prstGeom>
+          <a:ln w="28575">
+            <a:solidFill>
+              <a:srgbClr val="FF0000"/>
+            </a:solidFill>
+            <a:tailEnd type="triangle"/>
+          </a:ln>
+        </p:spPr>
+        <p:style>
+          <a:lnRef idx="1">
+            <a:schemeClr val="accent1"/>
+          </a:lnRef>
+          <a:fillRef idx="0">
+            <a:schemeClr val="accent1"/>
+          </a:fillRef>
+          <a:effectRef idx="0">
+            <a:schemeClr val="accent1"/>
+          </a:effectRef>
+          <a:fontRef idx="minor">
+            <a:schemeClr val="tx1"/>
+          </a:fontRef>
+        </p:style>
+      </p:cxnSp>
+      <p:cxnSp>
+        <p:nvCxnSpPr>
+          <p:cNvPr id="34" name="Elbow Connector 33"/>
+          <p:cNvCxnSpPr>
+            <a:stCxn id="17" idx="1"/>
+            <a:endCxn id="20" idx="1"/>
+          </p:cNvCxnSpPr>
+          <p:nvPr/>
+        </p:nvCxnSpPr>
+        <p:spPr>
+          <a:xfrm rot="10800000" flipH="1" flipV="1">
+            <a:off x="1363451" y="737374"/>
+            <a:ext cx="173135" cy="5318182"/>
+          </a:xfrm>
+          <a:prstGeom prst="bentConnector3">
+            <a:avLst>
+              <a:gd name="adj1" fmla="val -582511"/>
+            </a:avLst>
+          </a:prstGeom>
+          <a:ln w="28575">
+            <a:solidFill>
+              <a:srgbClr val="FF0000"/>
+            </a:solidFill>
+            <a:tailEnd type="triangle"/>
+          </a:ln>
+        </p:spPr>
+        <p:style>
+          <a:lnRef idx="1">
+            <a:schemeClr val="accent1"/>
+          </a:lnRef>
+          <a:fillRef idx="0">
+            <a:schemeClr val="accent1"/>
+          </a:fillRef>
+          <a:effectRef idx="0">
+            <a:schemeClr val="accent1"/>
+          </a:effectRef>
+          <a:fontRef idx="minor">
+            <a:schemeClr val="tx1"/>
+          </a:fontRef>
+        </p:style>
+      </p:cxnSp>
+    </p:spTree>
+    <p:extLst>
+      <p:ext uri="{BB962C8B-B14F-4D97-AF65-F5344CB8AC3E}">
+        <p14:creationId xmlns:p14="http://schemas.microsoft.com/office/powerpoint/2010/main" val="2674612028"/>
+      </p:ext>
+    </p:extLst>
+  </p:cSld>
+  <p:clrMapOvr>
+    <a:masterClrMapping/>
+  </p:clrMapOvr>
+</p:sld>
+</file>
+
+<file path=ppt/slides/slide17.xml><?xml version="1.0" encoding="utf-8"?>
+<p:sld xmlns:a="http://schemas.openxmlformats.org/drawingml/2006/main" xmlns:r="http://schemas.openxmlformats.org/officeDocument/2006/relationships" xmlns:p="http://schemas.openxmlformats.org/presentationml/2006/main">
+  <p:cSld>
+    <p:spTree>
+      <p:nvGrpSpPr>
+        <p:cNvPr id="1" name=""/>
+        <p:cNvGrpSpPr/>
+        <p:nvPr/>
+      </p:nvGrpSpPr>
+      <p:grpSpPr>
+        <a:xfrm>
+          <a:off x="0" y="0"/>
+          <a:ext cx="0" cy="0"/>
+          <a:chOff x="0" y="0"/>
+          <a:chExt cx="0" cy="0"/>
+        </a:xfrm>
+      </p:grpSpPr>
+      <p:sp>
+        <p:nvSpPr>
+          <p:cNvPr id="4" name="Slide Number Placeholder 3"/>
+          <p:cNvSpPr>
+            <a:spLocks noGrp="1"/>
+          </p:cNvSpPr>
+          <p:nvPr>
+            <p:ph type="sldNum" sz="quarter" idx="12"/>
+          </p:nvPr>
+        </p:nvSpPr>
+        <p:spPr/>
+        <p:txBody>
+          <a:bodyPr/>
+          <a:lstStyle/>
+          <a:p>
+            <a:fld id="{C65BF232-D96C-4BCE-A65E-27CEBC75B45B}" type="slidenum">
+              <a:rPr lang="en-US" smtClean="0"/>
+              <a:t>17</a:t>
+            </a:fld>
+            <a:endParaRPr lang="en-US"/>
+          </a:p>
+        </p:txBody>
+      </p:sp>
+      <p:pic>
+        <p:nvPicPr>
+          <p:cNvPr id="5" name="Picture 4"/>
+          <p:cNvPicPr>
+            <a:picLocks noChangeAspect="1"/>
+          </p:cNvPicPr>
+          <p:nvPr/>
+        </p:nvPicPr>
+        <p:blipFill>
+          <a:blip r:embed="rId2"/>
+          <a:stretch>
+            <a:fillRect/>
+          </a:stretch>
+        </p:blipFill>
+        <p:spPr>
+          <a:xfrm>
+            <a:off x="1329219" y="210475"/>
+            <a:ext cx="10201212" cy="4004423"/>
+          </a:xfrm>
+          <a:prstGeom prst="rect">
+            <a:avLst/>
+          </a:prstGeom>
+        </p:spPr>
+      </p:pic>
+      <p:sp>
+        <p:nvSpPr>
+          <p:cNvPr id="7" name="Rectangle 6"/>
+          <p:cNvSpPr/>
+          <p:nvPr/>
+        </p:nvSpPr>
+        <p:spPr>
+          <a:xfrm>
+            <a:off x="2275503" y="3568493"/>
+            <a:ext cx="9044570" cy="485041"/>
+          </a:xfrm>
+          <a:prstGeom prst="rect">
+            <a:avLst/>
+          </a:prstGeom>
+          <a:noFill/>
+          <a:ln w="28575">
+            <a:solidFill>
+              <a:srgbClr val="FF0000"/>
+            </a:solidFill>
+          </a:ln>
+        </p:spPr>
+        <p:style>
+          <a:lnRef idx="2">
+            <a:schemeClr val="accent1">
+              <a:shade val="50000"/>
+            </a:schemeClr>
+          </a:lnRef>
+          <a:fillRef idx="1">
+            <a:schemeClr val="accent1"/>
+          </a:fillRef>
+          <a:effectRef idx="0">
+            <a:schemeClr val="accent1"/>
+          </a:effectRef>
+          <a:fontRef idx="minor">
+            <a:schemeClr val="lt1"/>
+          </a:fontRef>
+        </p:style>
+        <p:txBody>
+          <a:bodyPr rtlCol="0" anchor="ctr"/>
+          <a:lstStyle/>
+          <a:p>
+            <a:pPr algn="ctr"/>
+            <a:endParaRPr lang="en-US"/>
+          </a:p>
+        </p:txBody>
+      </p:sp>
+      <p:sp>
+        <p:nvSpPr>
+          <p:cNvPr id="8" name="Rectangle 7"/>
+          <p:cNvSpPr/>
+          <p:nvPr/>
+        </p:nvSpPr>
+        <p:spPr>
+          <a:xfrm>
+            <a:off x="2275503" y="2922088"/>
+            <a:ext cx="9044570" cy="485041"/>
+          </a:xfrm>
+          <a:prstGeom prst="rect">
+            <a:avLst/>
+          </a:prstGeom>
+          <a:noFill/>
+          <a:ln w="28575">
+            <a:solidFill>
+              <a:srgbClr val="FF0000"/>
+            </a:solidFill>
+          </a:ln>
+        </p:spPr>
+        <p:style>
+          <a:lnRef idx="2">
+            <a:schemeClr val="accent1">
+              <a:shade val="50000"/>
+            </a:schemeClr>
+          </a:lnRef>
+          <a:fillRef idx="1">
+            <a:schemeClr val="accent1"/>
+          </a:fillRef>
+          <a:effectRef idx="0">
+            <a:schemeClr val="accent1"/>
+          </a:effectRef>
+          <a:fontRef idx="minor">
+            <a:schemeClr val="lt1"/>
+          </a:fontRef>
+        </p:style>
+        <p:txBody>
+          <a:bodyPr rtlCol="0" anchor="ctr"/>
+          <a:lstStyle/>
+          <a:p>
+            <a:pPr algn="ctr"/>
+            <a:endParaRPr lang="en-US"/>
+          </a:p>
+        </p:txBody>
+      </p:sp>
+      <p:sp>
+        <p:nvSpPr>
+          <p:cNvPr id="9" name="Rectangle 8"/>
+          <p:cNvSpPr/>
+          <p:nvPr/>
+        </p:nvSpPr>
+        <p:spPr>
+          <a:xfrm>
+            <a:off x="2275503" y="2279156"/>
+            <a:ext cx="9044570" cy="485041"/>
+          </a:xfrm>
+          <a:prstGeom prst="rect">
+            <a:avLst/>
+          </a:prstGeom>
+          <a:noFill/>
+          <a:ln w="28575">
+            <a:solidFill>
+              <a:srgbClr val="FF0000"/>
+            </a:solidFill>
+          </a:ln>
+        </p:spPr>
+        <p:style>
+          <a:lnRef idx="2">
+            <a:schemeClr val="accent1">
+              <a:shade val="50000"/>
+            </a:schemeClr>
+          </a:lnRef>
+          <a:fillRef idx="1">
+            <a:schemeClr val="accent1"/>
+          </a:fillRef>
+          <a:effectRef idx="0">
+            <a:schemeClr val="accent1"/>
+          </a:effectRef>
+          <a:fontRef idx="minor">
+            <a:schemeClr val="lt1"/>
+          </a:fontRef>
+        </p:style>
+        <p:txBody>
+          <a:bodyPr rtlCol="0" anchor="ctr"/>
+          <a:lstStyle/>
+          <a:p>
+            <a:pPr algn="ctr"/>
+            <a:endParaRPr lang="en-US"/>
+          </a:p>
+        </p:txBody>
+      </p:sp>
+      <p:sp>
+        <p:nvSpPr>
+          <p:cNvPr id="14" name="Rectangle 13"/>
+          <p:cNvSpPr/>
+          <p:nvPr/>
+        </p:nvSpPr>
+        <p:spPr>
+          <a:xfrm>
+            <a:off x="2275503" y="1646198"/>
+            <a:ext cx="9044570" cy="485041"/>
+          </a:xfrm>
+          <a:prstGeom prst="rect">
+            <a:avLst/>
+          </a:prstGeom>
+          <a:noFill/>
+          <a:ln w="28575">
+            <a:solidFill>
+              <a:srgbClr val="FF0000"/>
+            </a:solidFill>
+          </a:ln>
+        </p:spPr>
+        <p:style>
+          <a:lnRef idx="2">
+            <a:schemeClr val="accent1">
+              <a:shade val="50000"/>
+            </a:schemeClr>
+          </a:lnRef>
+          <a:fillRef idx="1">
+            <a:schemeClr val="accent1"/>
+          </a:fillRef>
+          <a:effectRef idx="0">
+            <a:schemeClr val="accent1"/>
+          </a:effectRef>
+          <a:fontRef idx="minor">
+            <a:schemeClr val="lt1"/>
+          </a:fontRef>
+        </p:style>
+        <p:txBody>
+          <a:bodyPr rtlCol="0" anchor="ctr"/>
+          <a:lstStyle/>
+          <a:p>
+            <a:pPr algn="ctr"/>
+            <a:endParaRPr lang="en-US"/>
+          </a:p>
+        </p:txBody>
+      </p:sp>
+      <p:sp>
+        <p:nvSpPr>
+          <p:cNvPr id="15" name="Rectangle 14"/>
+          <p:cNvSpPr/>
+          <p:nvPr/>
+        </p:nvSpPr>
+        <p:spPr>
+          <a:xfrm>
+            <a:off x="2275503" y="999793"/>
+            <a:ext cx="9044570" cy="485041"/>
+          </a:xfrm>
+          <a:prstGeom prst="rect">
+            <a:avLst/>
+          </a:prstGeom>
+          <a:noFill/>
+          <a:ln w="28575">
+            <a:solidFill>
+              <a:srgbClr val="FF0000"/>
+            </a:solidFill>
+          </a:ln>
+        </p:spPr>
+        <p:style>
+          <a:lnRef idx="2">
+            <a:schemeClr val="accent1">
+              <a:shade val="50000"/>
+            </a:schemeClr>
+          </a:lnRef>
+          <a:fillRef idx="1">
+            <a:schemeClr val="accent1"/>
+          </a:fillRef>
+          <a:effectRef idx="0">
+            <a:schemeClr val="accent1"/>
+          </a:effectRef>
+          <a:fontRef idx="minor">
+            <a:schemeClr val="lt1"/>
+          </a:fontRef>
+        </p:style>
+        <p:txBody>
+          <a:bodyPr rtlCol="0" anchor="ctr"/>
+          <a:lstStyle/>
+          <a:p>
+            <a:pPr algn="ctr"/>
+            <a:endParaRPr lang="en-US"/>
+          </a:p>
+        </p:txBody>
+      </p:sp>
+      <p:sp>
+        <p:nvSpPr>
+          <p:cNvPr id="16" name="Rectangle 15"/>
+          <p:cNvSpPr/>
+          <p:nvPr/>
+        </p:nvSpPr>
+        <p:spPr>
+          <a:xfrm>
+            <a:off x="2275503" y="379023"/>
+            <a:ext cx="9044570" cy="485041"/>
+          </a:xfrm>
+          <a:prstGeom prst="rect">
+            <a:avLst/>
+          </a:prstGeom>
+          <a:noFill/>
+          <a:ln w="28575">
+            <a:solidFill>
+              <a:srgbClr val="FF0000"/>
+            </a:solidFill>
+          </a:ln>
+        </p:spPr>
+        <p:style>
+          <a:lnRef idx="2">
+            <a:schemeClr val="accent1">
+              <a:shade val="50000"/>
+            </a:schemeClr>
+          </a:lnRef>
+          <a:fillRef idx="1">
+            <a:schemeClr val="accent1"/>
+          </a:fillRef>
+          <a:effectRef idx="0">
+            <a:schemeClr val="accent1"/>
+          </a:effectRef>
+          <a:fontRef idx="minor">
+            <a:schemeClr val="lt1"/>
+          </a:fontRef>
+        </p:style>
+        <p:txBody>
+          <a:bodyPr rtlCol="0" anchor="ctr"/>
+          <a:lstStyle/>
+          <a:p>
+            <a:pPr algn="ctr"/>
+            <a:endParaRPr lang="en-US"/>
+          </a:p>
+        </p:txBody>
+      </p:sp>
+      <p:sp>
+        <p:nvSpPr>
+          <p:cNvPr id="17" name="TextBox 16"/>
+          <p:cNvSpPr txBox="1"/>
+          <p:nvPr/>
+        </p:nvSpPr>
+        <p:spPr>
+          <a:xfrm>
+            <a:off x="2146189" y="4336122"/>
+            <a:ext cx="7580518" cy="369332"/>
+          </a:xfrm>
+          <a:prstGeom prst="rect">
+            <a:avLst/>
+          </a:prstGeom>
+          <a:noFill/>
+        </p:spPr>
+        <p:txBody>
+          <a:bodyPr wrap="square" rtlCol="0">
+            <a:spAutoFit/>
+          </a:bodyPr>
+          <a:lstStyle/>
+          <a:p>
+            <a:r>
+              <a:rPr lang="km-KH" dirty="0" smtClean="0">
+                <a:latin typeface="Khmer OS Battambang" panose="02000500000000020004" pitchFamily="2" charset="0"/>
+                <a:cs typeface="Khmer OS Battambang" panose="02000500000000020004" pitchFamily="2" charset="0"/>
+              </a:rPr>
+              <a:t>សម្រាប់បង្កើត </a:t>
+            </a:r>
+            <a:r>
+              <a:rPr lang="en-US" dirty="0" smtClean="0">
+                <a:latin typeface="Khmer OS Battambang" panose="02000500000000020004" pitchFamily="2" charset="0"/>
+                <a:cs typeface="Khmer OS Battambang" panose="02000500000000020004" pitchFamily="2" charset="0"/>
+              </a:rPr>
+              <a:t>Button “ </a:t>
+            </a:r>
+            <a:r>
+              <a:rPr lang="en-US" dirty="0" smtClean="0">
+                <a:solidFill>
+                  <a:srgbClr val="FFFF00"/>
+                </a:solidFill>
+                <a:latin typeface="Khmer OS Battambang" panose="02000500000000020004" pitchFamily="2" charset="0"/>
+                <a:cs typeface="Khmer OS Battambang" panose="02000500000000020004" pitchFamily="2" charset="0"/>
+              </a:rPr>
+              <a:t>6</a:t>
+            </a:r>
+            <a:r>
+              <a:rPr lang="en-US" dirty="0" smtClean="0">
+                <a:latin typeface="Khmer OS Battambang" panose="02000500000000020004" pitchFamily="2" charset="0"/>
+                <a:cs typeface="Khmer OS Battambang" panose="02000500000000020004" pitchFamily="2" charset="0"/>
+              </a:rPr>
+              <a:t> “ </a:t>
+            </a:r>
+            <a:endParaRPr lang="en-US" dirty="0">
+              <a:latin typeface="Khmer OS Battambang" panose="02000500000000020004" pitchFamily="2" charset="0"/>
+              <a:cs typeface="Khmer OS Battambang" panose="02000500000000020004" pitchFamily="2" charset="0"/>
+            </a:endParaRPr>
+          </a:p>
+        </p:txBody>
+      </p:sp>
+      <p:sp>
+        <p:nvSpPr>
+          <p:cNvPr id="18" name="TextBox 17"/>
+          <p:cNvSpPr txBox="1"/>
+          <p:nvPr/>
+        </p:nvSpPr>
+        <p:spPr>
+          <a:xfrm>
+            <a:off x="2146189" y="4742742"/>
+            <a:ext cx="7580518" cy="369332"/>
+          </a:xfrm>
+          <a:prstGeom prst="rect">
+            <a:avLst/>
+          </a:prstGeom>
+          <a:noFill/>
+        </p:spPr>
+        <p:txBody>
+          <a:bodyPr wrap="square" rtlCol="0">
+            <a:spAutoFit/>
+          </a:bodyPr>
+          <a:lstStyle/>
+          <a:p>
+            <a:r>
+              <a:rPr lang="km-KH" dirty="0" smtClean="0">
+                <a:latin typeface="Khmer OS Battambang" panose="02000500000000020004" pitchFamily="2" charset="0"/>
+                <a:cs typeface="Khmer OS Battambang" panose="02000500000000020004" pitchFamily="2" charset="0"/>
+              </a:rPr>
+              <a:t>សម្រាប់បង្កើត </a:t>
+            </a:r>
+            <a:r>
+              <a:rPr lang="en-US" dirty="0" smtClean="0">
+                <a:latin typeface="Khmer OS Battambang" panose="02000500000000020004" pitchFamily="2" charset="0"/>
+                <a:cs typeface="Khmer OS Battambang" panose="02000500000000020004" pitchFamily="2" charset="0"/>
+              </a:rPr>
+              <a:t>Button “ </a:t>
+            </a:r>
+            <a:r>
+              <a:rPr lang="en-US" dirty="0">
+                <a:solidFill>
+                  <a:srgbClr val="FFFF00"/>
+                </a:solidFill>
+                <a:latin typeface="Khmer OS Battambang" panose="02000500000000020004" pitchFamily="2" charset="0"/>
+                <a:cs typeface="Khmer OS Battambang" panose="02000500000000020004" pitchFamily="2" charset="0"/>
+              </a:rPr>
+              <a:t>5</a:t>
+            </a:r>
+            <a:r>
+              <a:rPr lang="en-US" dirty="0" smtClean="0">
+                <a:latin typeface="Khmer OS Battambang" panose="02000500000000020004" pitchFamily="2" charset="0"/>
+                <a:cs typeface="Khmer OS Battambang" panose="02000500000000020004" pitchFamily="2" charset="0"/>
+              </a:rPr>
+              <a:t> “ </a:t>
+            </a:r>
+            <a:endParaRPr lang="en-US" dirty="0">
+              <a:latin typeface="Khmer OS Battambang" panose="02000500000000020004" pitchFamily="2" charset="0"/>
+              <a:cs typeface="Khmer OS Battambang" panose="02000500000000020004" pitchFamily="2" charset="0"/>
+            </a:endParaRPr>
+          </a:p>
+        </p:txBody>
+      </p:sp>
+      <p:sp>
+        <p:nvSpPr>
+          <p:cNvPr id="19" name="TextBox 18"/>
+          <p:cNvSpPr txBox="1"/>
+          <p:nvPr/>
+        </p:nvSpPr>
+        <p:spPr>
+          <a:xfrm>
+            <a:off x="2146189" y="5143891"/>
+            <a:ext cx="7580518" cy="369332"/>
+          </a:xfrm>
+          <a:prstGeom prst="rect">
+            <a:avLst/>
+          </a:prstGeom>
+          <a:noFill/>
+        </p:spPr>
+        <p:txBody>
+          <a:bodyPr wrap="square" rtlCol="0">
+            <a:spAutoFit/>
+          </a:bodyPr>
+          <a:lstStyle/>
+          <a:p>
+            <a:r>
+              <a:rPr lang="km-KH" dirty="0" smtClean="0">
+                <a:latin typeface="Khmer OS Battambang" panose="02000500000000020004" pitchFamily="2" charset="0"/>
+                <a:cs typeface="Khmer OS Battambang" panose="02000500000000020004" pitchFamily="2" charset="0"/>
+              </a:rPr>
+              <a:t>សម្រាប់បង្កើត </a:t>
+            </a:r>
+            <a:r>
+              <a:rPr lang="en-US" dirty="0" smtClean="0">
+                <a:latin typeface="Khmer OS Battambang" panose="02000500000000020004" pitchFamily="2" charset="0"/>
+                <a:cs typeface="Khmer OS Battambang" panose="02000500000000020004" pitchFamily="2" charset="0"/>
+              </a:rPr>
+              <a:t>Button “ </a:t>
+            </a:r>
+            <a:r>
+              <a:rPr lang="en-US" dirty="0" smtClean="0">
+                <a:solidFill>
+                  <a:srgbClr val="FFFF00"/>
+                </a:solidFill>
+                <a:latin typeface="Khmer OS Battambang" panose="02000500000000020004" pitchFamily="2" charset="0"/>
+                <a:cs typeface="Khmer OS Battambang" panose="02000500000000020004" pitchFamily="2" charset="0"/>
+              </a:rPr>
+              <a:t>4</a:t>
+            </a:r>
+            <a:r>
+              <a:rPr lang="en-US" dirty="0" smtClean="0">
+                <a:latin typeface="Khmer OS Battambang" panose="02000500000000020004" pitchFamily="2" charset="0"/>
+                <a:cs typeface="Khmer OS Battambang" panose="02000500000000020004" pitchFamily="2" charset="0"/>
+              </a:rPr>
+              <a:t> “ </a:t>
+            </a:r>
+            <a:endParaRPr lang="en-US" dirty="0">
+              <a:latin typeface="Khmer OS Battambang" panose="02000500000000020004" pitchFamily="2" charset="0"/>
+              <a:cs typeface="Khmer OS Battambang" panose="02000500000000020004" pitchFamily="2" charset="0"/>
+            </a:endParaRPr>
+          </a:p>
+        </p:txBody>
+      </p:sp>
+      <p:sp>
+        <p:nvSpPr>
+          <p:cNvPr id="20" name="TextBox 19"/>
+          <p:cNvSpPr txBox="1"/>
+          <p:nvPr/>
+        </p:nvSpPr>
+        <p:spPr>
+          <a:xfrm>
+            <a:off x="2146189" y="5545040"/>
+            <a:ext cx="7580518" cy="369332"/>
+          </a:xfrm>
+          <a:prstGeom prst="rect">
+            <a:avLst/>
+          </a:prstGeom>
+          <a:noFill/>
+        </p:spPr>
+        <p:txBody>
+          <a:bodyPr wrap="square" rtlCol="0">
+            <a:spAutoFit/>
+          </a:bodyPr>
+          <a:lstStyle/>
+          <a:p>
+            <a:r>
+              <a:rPr lang="km-KH" dirty="0" smtClean="0">
+                <a:latin typeface="Khmer OS Battambang" panose="02000500000000020004" pitchFamily="2" charset="0"/>
+                <a:cs typeface="Khmer OS Battambang" panose="02000500000000020004" pitchFamily="2" charset="0"/>
+              </a:rPr>
+              <a:t>សម្រាប់បង្កើត </a:t>
+            </a:r>
+            <a:r>
+              <a:rPr lang="en-US" dirty="0" smtClean="0">
+                <a:latin typeface="Khmer OS Battambang" panose="02000500000000020004" pitchFamily="2" charset="0"/>
+                <a:cs typeface="Khmer OS Battambang" panose="02000500000000020004" pitchFamily="2" charset="0"/>
+              </a:rPr>
+              <a:t>Button “ </a:t>
+            </a:r>
+            <a:r>
+              <a:rPr lang="en-US" dirty="0">
+                <a:solidFill>
+                  <a:srgbClr val="FFFF00"/>
+                </a:solidFill>
+                <a:latin typeface="Khmer OS Battambang" panose="02000500000000020004" pitchFamily="2" charset="0"/>
+                <a:cs typeface="Khmer OS Battambang" panose="02000500000000020004" pitchFamily="2" charset="0"/>
+              </a:rPr>
+              <a:t>3</a:t>
+            </a:r>
+            <a:r>
+              <a:rPr lang="en-US" dirty="0" smtClean="0">
+                <a:latin typeface="Khmer OS Battambang" panose="02000500000000020004" pitchFamily="2" charset="0"/>
+                <a:cs typeface="Khmer OS Battambang" panose="02000500000000020004" pitchFamily="2" charset="0"/>
+              </a:rPr>
+              <a:t> “ </a:t>
+            </a:r>
+            <a:endParaRPr lang="en-US" dirty="0">
+              <a:latin typeface="Khmer OS Battambang" panose="02000500000000020004" pitchFamily="2" charset="0"/>
+              <a:cs typeface="Khmer OS Battambang" panose="02000500000000020004" pitchFamily="2" charset="0"/>
+            </a:endParaRPr>
+          </a:p>
+        </p:txBody>
+      </p:sp>
+      <p:sp>
+        <p:nvSpPr>
+          <p:cNvPr id="21" name="TextBox 20"/>
+          <p:cNvSpPr txBox="1"/>
+          <p:nvPr/>
+        </p:nvSpPr>
+        <p:spPr>
+          <a:xfrm>
+            <a:off x="2146189" y="5946189"/>
+            <a:ext cx="7580518" cy="369332"/>
+          </a:xfrm>
+          <a:prstGeom prst="rect">
+            <a:avLst/>
+          </a:prstGeom>
+          <a:noFill/>
+        </p:spPr>
+        <p:txBody>
+          <a:bodyPr wrap="square" rtlCol="0">
+            <a:spAutoFit/>
+          </a:bodyPr>
+          <a:lstStyle/>
+          <a:p>
+            <a:r>
+              <a:rPr lang="km-KH" dirty="0" smtClean="0">
+                <a:latin typeface="Khmer OS Battambang" panose="02000500000000020004" pitchFamily="2" charset="0"/>
+                <a:cs typeface="Khmer OS Battambang" panose="02000500000000020004" pitchFamily="2" charset="0"/>
+              </a:rPr>
+              <a:t>សម្រាប់បង្កើត </a:t>
+            </a:r>
+            <a:r>
+              <a:rPr lang="en-US" dirty="0" smtClean="0">
+                <a:latin typeface="Khmer OS Battambang" panose="02000500000000020004" pitchFamily="2" charset="0"/>
+                <a:cs typeface="Khmer OS Battambang" panose="02000500000000020004" pitchFamily="2" charset="0"/>
+              </a:rPr>
+              <a:t>Button “ </a:t>
+            </a:r>
+            <a:r>
+              <a:rPr lang="en-US" dirty="0">
+                <a:solidFill>
+                  <a:srgbClr val="FFFF00"/>
+                </a:solidFill>
+                <a:latin typeface="Khmer OS Battambang" panose="02000500000000020004" pitchFamily="2" charset="0"/>
+                <a:cs typeface="Khmer OS Battambang" panose="02000500000000020004" pitchFamily="2" charset="0"/>
+              </a:rPr>
+              <a:t>2</a:t>
+            </a:r>
+            <a:r>
+              <a:rPr lang="en-US" dirty="0" smtClean="0">
+                <a:latin typeface="Khmer OS Battambang" panose="02000500000000020004" pitchFamily="2" charset="0"/>
+                <a:cs typeface="Khmer OS Battambang" panose="02000500000000020004" pitchFamily="2" charset="0"/>
+              </a:rPr>
+              <a:t> “ </a:t>
+            </a:r>
+            <a:endParaRPr lang="en-US" dirty="0">
+              <a:latin typeface="Khmer OS Battambang" panose="02000500000000020004" pitchFamily="2" charset="0"/>
+              <a:cs typeface="Khmer OS Battambang" panose="02000500000000020004" pitchFamily="2" charset="0"/>
+            </a:endParaRPr>
+          </a:p>
+        </p:txBody>
+      </p:sp>
+      <p:sp>
+        <p:nvSpPr>
+          <p:cNvPr id="22" name="TextBox 21"/>
+          <p:cNvSpPr txBox="1"/>
+          <p:nvPr/>
+        </p:nvSpPr>
+        <p:spPr>
+          <a:xfrm>
+            <a:off x="2146189" y="6336967"/>
+            <a:ext cx="7580518" cy="369332"/>
+          </a:xfrm>
+          <a:prstGeom prst="rect">
+            <a:avLst/>
+          </a:prstGeom>
+          <a:noFill/>
+        </p:spPr>
+        <p:txBody>
+          <a:bodyPr wrap="square" rtlCol="0">
+            <a:spAutoFit/>
+          </a:bodyPr>
+          <a:lstStyle/>
+          <a:p>
+            <a:r>
+              <a:rPr lang="km-KH" dirty="0" smtClean="0">
+                <a:latin typeface="Khmer OS Battambang" panose="02000500000000020004" pitchFamily="2" charset="0"/>
+                <a:cs typeface="Khmer OS Battambang" panose="02000500000000020004" pitchFamily="2" charset="0"/>
+              </a:rPr>
+              <a:t>សម្រាប់បង្កើត </a:t>
+            </a:r>
+            <a:r>
+              <a:rPr lang="en-US" dirty="0" smtClean="0">
+                <a:latin typeface="Khmer OS Battambang" panose="02000500000000020004" pitchFamily="2" charset="0"/>
+                <a:cs typeface="Khmer OS Battambang" panose="02000500000000020004" pitchFamily="2" charset="0"/>
+              </a:rPr>
+              <a:t>Button “ </a:t>
+            </a:r>
+            <a:r>
+              <a:rPr lang="en-US" dirty="0">
+                <a:solidFill>
+                  <a:srgbClr val="FFFF00"/>
+                </a:solidFill>
+                <a:latin typeface="Khmer OS Battambang" panose="02000500000000020004" pitchFamily="2" charset="0"/>
+                <a:cs typeface="Khmer OS Battambang" panose="02000500000000020004" pitchFamily="2" charset="0"/>
+              </a:rPr>
+              <a:t>1</a:t>
+            </a:r>
+            <a:r>
+              <a:rPr lang="en-US" dirty="0" smtClean="0">
+                <a:latin typeface="Khmer OS Battambang" panose="02000500000000020004" pitchFamily="2" charset="0"/>
+                <a:cs typeface="Khmer OS Battambang" panose="02000500000000020004" pitchFamily="2" charset="0"/>
+              </a:rPr>
+              <a:t> “ </a:t>
+            </a:r>
+            <a:endParaRPr lang="en-US" dirty="0">
+              <a:latin typeface="Khmer OS Battambang" panose="02000500000000020004" pitchFamily="2" charset="0"/>
+              <a:cs typeface="Khmer OS Battambang" panose="02000500000000020004" pitchFamily="2" charset="0"/>
+            </a:endParaRPr>
+          </a:p>
+        </p:txBody>
+      </p:sp>
+      <p:cxnSp>
+        <p:nvCxnSpPr>
+          <p:cNvPr id="24" name="Elbow Connector 23"/>
+          <p:cNvCxnSpPr>
+            <a:stCxn id="7" idx="1"/>
+            <a:endCxn id="17" idx="1"/>
+          </p:cNvCxnSpPr>
+          <p:nvPr/>
+        </p:nvCxnSpPr>
+        <p:spPr>
+          <a:xfrm rot="10800000" flipV="1">
+            <a:off x="2146189" y="3811014"/>
+            <a:ext cx="129314" cy="709774"/>
+          </a:xfrm>
+          <a:prstGeom prst="bentConnector3">
+            <a:avLst>
+              <a:gd name="adj1" fmla="val 243107"/>
+            </a:avLst>
+          </a:prstGeom>
+          <a:ln w="28575">
+            <a:solidFill>
+              <a:srgbClr val="FF0000"/>
+            </a:solidFill>
+            <a:tailEnd type="triangle"/>
+          </a:ln>
+        </p:spPr>
+        <p:style>
+          <a:lnRef idx="1">
+            <a:schemeClr val="accent1"/>
+          </a:lnRef>
+          <a:fillRef idx="0">
+            <a:schemeClr val="accent1"/>
+          </a:fillRef>
+          <a:effectRef idx="0">
+            <a:schemeClr val="accent1"/>
+          </a:effectRef>
+          <a:fontRef idx="minor">
+            <a:schemeClr val="tx1"/>
+          </a:fontRef>
+        </p:style>
+      </p:cxnSp>
+      <p:cxnSp>
+        <p:nvCxnSpPr>
+          <p:cNvPr id="26" name="Elbow Connector 25"/>
+          <p:cNvCxnSpPr>
+            <a:stCxn id="8" idx="1"/>
+            <a:endCxn id="18" idx="1"/>
+          </p:cNvCxnSpPr>
+          <p:nvPr/>
+        </p:nvCxnSpPr>
+        <p:spPr>
+          <a:xfrm rot="10800000" flipV="1">
+            <a:off x="2146189" y="3164608"/>
+            <a:ext cx="129314" cy="1762799"/>
+          </a:xfrm>
+          <a:prstGeom prst="bentConnector3">
+            <a:avLst>
+              <a:gd name="adj1" fmla="val 400244"/>
+            </a:avLst>
+          </a:prstGeom>
+          <a:ln w="28575">
+            <a:solidFill>
+              <a:srgbClr val="FF0000"/>
+            </a:solidFill>
+            <a:tailEnd type="triangle"/>
+          </a:ln>
+        </p:spPr>
+        <p:style>
+          <a:lnRef idx="1">
+            <a:schemeClr val="accent1"/>
+          </a:lnRef>
+          <a:fillRef idx="0">
+            <a:schemeClr val="accent1"/>
+          </a:fillRef>
+          <a:effectRef idx="0">
+            <a:schemeClr val="accent1"/>
+          </a:effectRef>
+          <a:fontRef idx="minor">
+            <a:schemeClr val="tx1"/>
+          </a:fontRef>
+        </p:style>
+      </p:cxnSp>
+      <p:cxnSp>
+        <p:nvCxnSpPr>
+          <p:cNvPr id="31" name="Elbow Connector 30"/>
+          <p:cNvCxnSpPr>
+            <a:stCxn id="9" idx="1"/>
+            <a:endCxn id="19" idx="1"/>
+          </p:cNvCxnSpPr>
+          <p:nvPr/>
+        </p:nvCxnSpPr>
+        <p:spPr>
+          <a:xfrm rot="10800000" flipV="1">
+            <a:off x="2146189" y="2521677"/>
+            <a:ext cx="129314" cy="2806880"/>
+          </a:xfrm>
+          <a:prstGeom prst="bentConnector3">
+            <a:avLst>
+              <a:gd name="adj1" fmla="val 557380"/>
+            </a:avLst>
+          </a:prstGeom>
+          <a:ln w="28575">
+            <a:solidFill>
+              <a:srgbClr val="FF0000"/>
+            </a:solidFill>
+            <a:tailEnd type="triangle"/>
+          </a:ln>
+        </p:spPr>
+        <p:style>
+          <a:lnRef idx="1">
+            <a:schemeClr val="accent1"/>
+          </a:lnRef>
+          <a:fillRef idx="0">
+            <a:schemeClr val="accent1"/>
+          </a:fillRef>
+          <a:effectRef idx="0">
+            <a:schemeClr val="accent1"/>
+          </a:effectRef>
+          <a:fontRef idx="minor">
+            <a:schemeClr val="tx1"/>
+          </a:fontRef>
+        </p:style>
+      </p:cxnSp>
+      <p:cxnSp>
+        <p:nvCxnSpPr>
+          <p:cNvPr id="34" name="Elbow Connector 33"/>
+          <p:cNvCxnSpPr>
+            <a:stCxn id="14" idx="1"/>
+            <a:endCxn id="20" idx="1"/>
+          </p:cNvCxnSpPr>
+          <p:nvPr/>
+        </p:nvCxnSpPr>
+        <p:spPr>
+          <a:xfrm rot="10800000" flipV="1">
+            <a:off x="2146189" y="1888718"/>
+            <a:ext cx="129314" cy="3840987"/>
+          </a:xfrm>
+          <a:prstGeom prst="bentConnector3">
+            <a:avLst>
+              <a:gd name="adj1" fmla="val 748190"/>
+            </a:avLst>
+          </a:prstGeom>
+          <a:ln w="28575">
+            <a:solidFill>
+              <a:srgbClr val="FF0000"/>
+            </a:solidFill>
+            <a:tailEnd type="triangle"/>
+          </a:ln>
+        </p:spPr>
+        <p:style>
+          <a:lnRef idx="1">
+            <a:schemeClr val="accent1"/>
+          </a:lnRef>
+          <a:fillRef idx="0">
+            <a:schemeClr val="accent1"/>
+          </a:fillRef>
+          <a:effectRef idx="0">
+            <a:schemeClr val="accent1"/>
+          </a:effectRef>
+          <a:fontRef idx="minor">
+            <a:schemeClr val="tx1"/>
+          </a:fontRef>
+        </p:style>
+      </p:cxnSp>
+      <p:cxnSp>
+        <p:nvCxnSpPr>
+          <p:cNvPr id="37" name="Elbow Connector 36"/>
+          <p:cNvCxnSpPr>
+            <a:stCxn id="15" idx="1"/>
+            <a:endCxn id="21" idx="1"/>
+          </p:cNvCxnSpPr>
+          <p:nvPr/>
+        </p:nvCxnSpPr>
+        <p:spPr>
+          <a:xfrm rot="10800000" flipV="1">
+            <a:off x="2146189" y="1242313"/>
+            <a:ext cx="129314" cy="4888541"/>
+          </a:xfrm>
+          <a:prstGeom prst="bentConnector3">
+            <a:avLst>
+              <a:gd name="adj1" fmla="val 938998"/>
+            </a:avLst>
+          </a:prstGeom>
+          <a:ln w="28575">
+            <a:solidFill>
+              <a:srgbClr val="FF0000"/>
+            </a:solidFill>
+            <a:tailEnd type="triangle"/>
+          </a:ln>
+        </p:spPr>
+        <p:style>
+          <a:lnRef idx="1">
+            <a:schemeClr val="accent1"/>
+          </a:lnRef>
+          <a:fillRef idx="0">
+            <a:schemeClr val="accent1"/>
+          </a:fillRef>
+          <a:effectRef idx="0">
+            <a:schemeClr val="accent1"/>
+          </a:effectRef>
+          <a:fontRef idx="minor">
+            <a:schemeClr val="tx1"/>
+          </a:fontRef>
+        </p:style>
+      </p:cxnSp>
+      <p:cxnSp>
+        <p:nvCxnSpPr>
+          <p:cNvPr id="40" name="Elbow Connector 39"/>
+          <p:cNvCxnSpPr>
+            <a:stCxn id="16" idx="1"/>
+            <a:endCxn id="22" idx="1"/>
+          </p:cNvCxnSpPr>
+          <p:nvPr/>
+        </p:nvCxnSpPr>
+        <p:spPr>
+          <a:xfrm rot="10800000" flipV="1">
+            <a:off x="2146189" y="621543"/>
+            <a:ext cx="129314" cy="5900089"/>
+          </a:xfrm>
+          <a:prstGeom prst="bentConnector3">
+            <a:avLst>
+              <a:gd name="adj1" fmla="val 1141032"/>
+            </a:avLst>
+          </a:prstGeom>
+          <a:ln w="28575">
+            <a:solidFill>
+              <a:srgbClr val="FF0000"/>
+            </a:solidFill>
+            <a:tailEnd type="triangle"/>
+          </a:ln>
+        </p:spPr>
+        <p:style>
+          <a:lnRef idx="1">
+            <a:schemeClr val="accent1"/>
+          </a:lnRef>
+          <a:fillRef idx="0">
+            <a:schemeClr val="accent1"/>
+          </a:fillRef>
+          <a:effectRef idx="0">
+            <a:schemeClr val="accent1"/>
+          </a:effectRef>
+          <a:fontRef idx="minor">
+            <a:schemeClr val="tx1"/>
+          </a:fontRef>
+        </p:style>
+      </p:cxnSp>
+    </p:spTree>
+    <p:extLst>
+      <p:ext uri="{BB962C8B-B14F-4D97-AF65-F5344CB8AC3E}">
+        <p14:creationId xmlns:p14="http://schemas.microsoft.com/office/powerpoint/2010/main" val="1855312809"/>
+      </p:ext>
+    </p:extLst>
+  </p:cSld>
+  <p:clrMapOvr>
+    <a:masterClrMapping/>
+  </p:clrMapOvr>
+</p:sld>
+</file>
+
+<file path=ppt/slides/slide18.xml><?xml version="1.0" encoding="utf-8"?>
+<p:sld xmlns:a="http://schemas.openxmlformats.org/drawingml/2006/main" xmlns:r="http://schemas.openxmlformats.org/officeDocument/2006/relationships" xmlns:p="http://schemas.openxmlformats.org/presentationml/2006/main">
+  <p:cSld>
+    <p:spTree>
+      <p:nvGrpSpPr>
+        <p:cNvPr id="1" name=""/>
+        <p:cNvGrpSpPr/>
+        <p:nvPr/>
+      </p:nvGrpSpPr>
+      <p:grpSpPr>
+        <a:xfrm>
+          <a:off x="0" y="0"/>
+          <a:ext cx="0" cy="0"/>
+          <a:chOff x="0" y="0"/>
+          <a:chExt cx="0" cy="0"/>
+        </a:xfrm>
+      </p:grpSpPr>
+      <p:sp>
+        <p:nvSpPr>
+          <p:cNvPr id="4" name="Slide Number Placeholder 3"/>
+          <p:cNvSpPr>
+            <a:spLocks noGrp="1"/>
+          </p:cNvSpPr>
+          <p:nvPr>
+            <p:ph type="sldNum" sz="quarter" idx="12"/>
+          </p:nvPr>
+        </p:nvSpPr>
+        <p:spPr/>
+        <p:txBody>
+          <a:bodyPr/>
+          <a:lstStyle/>
+          <a:p>
+            <a:fld id="{C65BF232-D96C-4BCE-A65E-27CEBC75B45B}" type="slidenum">
+              <a:rPr lang="en-US" smtClean="0"/>
+              <a:t>18</a:t>
+            </a:fld>
+            <a:endParaRPr lang="en-US"/>
+          </a:p>
+        </p:txBody>
+      </p:sp>
+      <p:pic>
+        <p:nvPicPr>
+          <p:cNvPr id="5" name="Picture 4"/>
+          <p:cNvPicPr>
+            <a:picLocks noChangeAspect="1"/>
+          </p:cNvPicPr>
+          <p:nvPr/>
+        </p:nvPicPr>
+        <p:blipFill>
+          <a:blip r:embed="rId2"/>
+          <a:stretch>
+            <a:fillRect/>
+          </a:stretch>
+        </p:blipFill>
+        <p:spPr>
+          <a:xfrm>
+            <a:off x="1555975" y="2782149"/>
+            <a:ext cx="9427710" cy="3939326"/>
+          </a:xfrm>
+          <a:prstGeom prst="rect">
+            <a:avLst/>
+          </a:prstGeom>
+        </p:spPr>
+      </p:pic>
+      <p:sp>
+        <p:nvSpPr>
+          <p:cNvPr id="6" name="Rectangle 5"/>
+          <p:cNvSpPr/>
+          <p:nvPr/>
+        </p:nvSpPr>
+        <p:spPr>
+          <a:xfrm>
+            <a:off x="2449675" y="2964180"/>
+            <a:ext cx="8281825" cy="451814"/>
+          </a:xfrm>
+          <a:prstGeom prst="rect">
+            <a:avLst/>
+          </a:prstGeom>
+          <a:noFill/>
+          <a:ln w="28575">
+            <a:solidFill>
+              <a:srgbClr val="FF0000"/>
+            </a:solidFill>
+          </a:ln>
+        </p:spPr>
+        <p:style>
+          <a:lnRef idx="2">
+            <a:schemeClr val="accent1">
+              <a:shade val="50000"/>
+            </a:schemeClr>
+          </a:lnRef>
+          <a:fillRef idx="1">
+            <a:schemeClr val="accent1"/>
+          </a:fillRef>
+          <a:effectRef idx="0">
+            <a:schemeClr val="accent1"/>
+          </a:effectRef>
+          <a:fontRef idx="minor">
+            <a:schemeClr val="lt1"/>
+          </a:fontRef>
+        </p:style>
+        <p:txBody>
+          <a:bodyPr rtlCol="0" anchor="ctr"/>
+          <a:lstStyle/>
+          <a:p>
+            <a:pPr algn="ctr"/>
+            <a:endParaRPr lang="en-US"/>
+          </a:p>
+        </p:txBody>
+      </p:sp>
+      <p:sp>
+        <p:nvSpPr>
+          <p:cNvPr id="7" name="Rectangle 6"/>
+          <p:cNvSpPr/>
+          <p:nvPr/>
+        </p:nvSpPr>
+        <p:spPr>
+          <a:xfrm>
+            <a:off x="2449675" y="3547225"/>
+            <a:ext cx="8281825" cy="451814"/>
+          </a:xfrm>
+          <a:prstGeom prst="rect">
+            <a:avLst/>
+          </a:prstGeom>
+          <a:noFill/>
+          <a:ln w="28575">
+            <a:solidFill>
+              <a:srgbClr val="FF0000"/>
+            </a:solidFill>
+          </a:ln>
+        </p:spPr>
+        <p:style>
+          <a:lnRef idx="2">
+            <a:schemeClr val="accent1">
+              <a:shade val="50000"/>
+            </a:schemeClr>
+          </a:lnRef>
+          <a:fillRef idx="1">
+            <a:schemeClr val="accent1"/>
+          </a:fillRef>
+          <a:effectRef idx="0">
+            <a:schemeClr val="accent1"/>
+          </a:effectRef>
+          <a:fontRef idx="minor">
+            <a:schemeClr val="lt1"/>
+          </a:fontRef>
+        </p:style>
+        <p:txBody>
+          <a:bodyPr rtlCol="0" anchor="ctr"/>
+          <a:lstStyle/>
+          <a:p>
+            <a:pPr algn="ctr"/>
+            <a:endParaRPr lang="en-US"/>
+          </a:p>
+        </p:txBody>
+      </p:sp>
+      <p:sp>
+        <p:nvSpPr>
+          <p:cNvPr id="8" name="Rectangle 7"/>
+          <p:cNvSpPr/>
+          <p:nvPr/>
+        </p:nvSpPr>
+        <p:spPr>
+          <a:xfrm>
+            <a:off x="2449674" y="4137591"/>
+            <a:ext cx="8281825" cy="451814"/>
+          </a:xfrm>
+          <a:prstGeom prst="rect">
+            <a:avLst/>
+          </a:prstGeom>
+          <a:noFill/>
+          <a:ln w="28575">
+            <a:solidFill>
+              <a:srgbClr val="FF0000"/>
+            </a:solidFill>
+          </a:ln>
+        </p:spPr>
+        <p:style>
+          <a:lnRef idx="2">
+            <a:schemeClr val="accent1">
+              <a:shade val="50000"/>
+            </a:schemeClr>
+          </a:lnRef>
+          <a:fillRef idx="1">
+            <a:schemeClr val="accent1"/>
+          </a:fillRef>
+          <a:effectRef idx="0">
+            <a:schemeClr val="accent1"/>
+          </a:effectRef>
+          <a:fontRef idx="minor">
+            <a:schemeClr val="lt1"/>
+          </a:fontRef>
+        </p:style>
+        <p:txBody>
+          <a:bodyPr rtlCol="0" anchor="ctr"/>
+          <a:lstStyle/>
+          <a:p>
+            <a:pPr algn="ctr"/>
+            <a:endParaRPr lang="en-US"/>
+          </a:p>
+        </p:txBody>
+      </p:sp>
+      <p:sp>
+        <p:nvSpPr>
+          <p:cNvPr id="9" name="Rectangle 8"/>
+          <p:cNvSpPr/>
+          <p:nvPr/>
+        </p:nvSpPr>
+        <p:spPr>
+          <a:xfrm>
+            <a:off x="2449673" y="4713180"/>
+            <a:ext cx="8281825" cy="451814"/>
+          </a:xfrm>
+          <a:prstGeom prst="rect">
+            <a:avLst/>
+          </a:prstGeom>
+          <a:noFill/>
+          <a:ln w="28575">
+            <a:solidFill>
+              <a:srgbClr val="FF0000"/>
+            </a:solidFill>
+          </a:ln>
+        </p:spPr>
+        <p:style>
+          <a:lnRef idx="2">
+            <a:schemeClr val="accent1">
+              <a:shade val="50000"/>
+            </a:schemeClr>
+          </a:lnRef>
+          <a:fillRef idx="1">
+            <a:schemeClr val="accent1"/>
+          </a:fillRef>
+          <a:effectRef idx="0">
+            <a:schemeClr val="accent1"/>
+          </a:effectRef>
+          <a:fontRef idx="minor">
+            <a:schemeClr val="lt1"/>
+          </a:fontRef>
+        </p:style>
+        <p:txBody>
+          <a:bodyPr rtlCol="0" anchor="ctr"/>
+          <a:lstStyle/>
+          <a:p>
+            <a:pPr algn="ctr"/>
+            <a:endParaRPr lang="en-US"/>
+          </a:p>
+        </p:txBody>
+      </p:sp>
+      <p:sp>
+        <p:nvSpPr>
+          <p:cNvPr id="10" name="Rectangle 9"/>
+          <p:cNvSpPr/>
+          <p:nvPr/>
+        </p:nvSpPr>
+        <p:spPr>
+          <a:xfrm>
+            <a:off x="2449673" y="5306490"/>
+            <a:ext cx="8281825" cy="451814"/>
+          </a:xfrm>
+          <a:prstGeom prst="rect">
+            <a:avLst/>
+          </a:prstGeom>
+          <a:noFill/>
+          <a:ln w="28575">
+            <a:solidFill>
+              <a:srgbClr val="FF0000"/>
+            </a:solidFill>
+          </a:ln>
+        </p:spPr>
+        <p:style>
+          <a:lnRef idx="2">
+            <a:schemeClr val="accent1">
+              <a:shade val="50000"/>
+            </a:schemeClr>
+          </a:lnRef>
+          <a:fillRef idx="1">
+            <a:schemeClr val="accent1"/>
+          </a:fillRef>
+          <a:effectRef idx="0">
+            <a:schemeClr val="accent1"/>
+          </a:effectRef>
+          <a:fontRef idx="minor">
+            <a:schemeClr val="lt1"/>
+          </a:fontRef>
+        </p:style>
+        <p:txBody>
+          <a:bodyPr rtlCol="0" anchor="ctr"/>
+          <a:lstStyle/>
+          <a:p>
+            <a:pPr algn="ctr"/>
+            <a:endParaRPr lang="en-US"/>
+          </a:p>
+        </p:txBody>
+      </p:sp>
+      <p:sp>
+        <p:nvSpPr>
+          <p:cNvPr id="11" name="Rectangle 10"/>
+          <p:cNvSpPr/>
+          <p:nvPr/>
+        </p:nvSpPr>
+        <p:spPr>
+          <a:xfrm>
+            <a:off x="2449673" y="6292850"/>
+            <a:ext cx="1715927" cy="227586"/>
+          </a:xfrm>
+          <a:prstGeom prst="rect">
+            <a:avLst/>
+          </a:prstGeom>
+          <a:noFill/>
+          <a:ln w="28575">
+            <a:solidFill>
+              <a:srgbClr val="FF0000"/>
+            </a:solidFill>
+          </a:ln>
+        </p:spPr>
+        <p:style>
+          <a:lnRef idx="2">
+            <a:schemeClr val="accent1">
+              <a:shade val="50000"/>
+            </a:schemeClr>
+          </a:lnRef>
+          <a:fillRef idx="1">
+            <a:schemeClr val="accent1"/>
+          </a:fillRef>
+          <a:effectRef idx="0">
+            <a:schemeClr val="accent1"/>
+          </a:effectRef>
+          <a:fontRef idx="minor">
+            <a:schemeClr val="lt1"/>
+          </a:fontRef>
+        </p:style>
+        <p:txBody>
+          <a:bodyPr rtlCol="0" anchor="ctr"/>
+          <a:lstStyle/>
+          <a:p>
+            <a:pPr algn="ctr"/>
+            <a:endParaRPr lang="en-US"/>
+          </a:p>
+        </p:txBody>
+      </p:sp>
+      <p:sp>
+        <p:nvSpPr>
+          <p:cNvPr id="12" name="TextBox 11"/>
+          <p:cNvSpPr txBox="1"/>
+          <p:nvPr/>
+        </p:nvSpPr>
+        <p:spPr>
+          <a:xfrm>
+            <a:off x="2401682" y="2289042"/>
+            <a:ext cx="7580518" cy="369332"/>
+          </a:xfrm>
+          <a:prstGeom prst="rect">
+            <a:avLst/>
+          </a:prstGeom>
+          <a:noFill/>
+        </p:spPr>
+        <p:txBody>
+          <a:bodyPr wrap="square" rtlCol="0">
+            <a:spAutoFit/>
+          </a:bodyPr>
+          <a:lstStyle/>
+          <a:p>
+            <a:r>
+              <a:rPr lang="km-KH" dirty="0" smtClean="0">
+                <a:latin typeface="Khmer OS Battambang" panose="02000500000000020004" pitchFamily="2" charset="0"/>
+                <a:cs typeface="Khmer OS Battambang" panose="02000500000000020004" pitchFamily="2" charset="0"/>
+              </a:rPr>
+              <a:t>សម្រាប់បង្កើត </a:t>
+            </a:r>
+            <a:r>
+              <a:rPr lang="en-US" dirty="0" smtClean="0">
+                <a:latin typeface="Khmer OS Battambang" panose="02000500000000020004" pitchFamily="2" charset="0"/>
+                <a:cs typeface="Khmer OS Battambang" panose="02000500000000020004" pitchFamily="2" charset="0"/>
+              </a:rPr>
+              <a:t>Button “ </a:t>
+            </a:r>
+            <a:r>
+              <a:rPr lang="en-US" dirty="0">
+                <a:solidFill>
+                  <a:srgbClr val="FFFF00"/>
+                </a:solidFill>
+                <a:latin typeface="Khmer OS Battambang" panose="02000500000000020004" pitchFamily="2" charset="0"/>
+                <a:cs typeface="Khmer OS Battambang" panose="02000500000000020004" pitchFamily="2" charset="0"/>
+              </a:rPr>
+              <a:t>7</a:t>
+            </a:r>
+            <a:r>
+              <a:rPr lang="en-US" dirty="0" smtClean="0">
+                <a:latin typeface="Khmer OS Battambang" panose="02000500000000020004" pitchFamily="2" charset="0"/>
+                <a:cs typeface="Khmer OS Battambang" panose="02000500000000020004" pitchFamily="2" charset="0"/>
+              </a:rPr>
+              <a:t> “ </a:t>
+            </a:r>
+            <a:endParaRPr lang="en-US" dirty="0">
+              <a:latin typeface="Khmer OS Battambang" panose="02000500000000020004" pitchFamily="2" charset="0"/>
+              <a:cs typeface="Khmer OS Battambang" panose="02000500000000020004" pitchFamily="2" charset="0"/>
+            </a:endParaRPr>
+          </a:p>
+        </p:txBody>
+      </p:sp>
+      <p:sp>
+        <p:nvSpPr>
+          <p:cNvPr id="13" name="TextBox 12"/>
+          <p:cNvSpPr txBox="1"/>
+          <p:nvPr/>
+        </p:nvSpPr>
+        <p:spPr>
+          <a:xfrm>
+            <a:off x="2401682" y="1880939"/>
+            <a:ext cx="7580518" cy="369332"/>
+          </a:xfrm>
+          <a:prstGeom prst="rect">
+            <a:avLst/>
+          </a:prstGeom>
+          <a:noFill/>
+        </p:spPr>
+        <p:txBody>
+          <a:bodyPr wrap="square" rtlCol="0">
+            <a:spAutoFit/>
+          </a:bodyPr>
+          <a:lstStyle/>
+          <a:p>
+            <a:r>
+              <a:rPr lang="km-KH" dirty="0" smtClean="0">
+                <a:latin typeface="Khmer OS Battambang" panose="02000500000000020004" pitchFamily="2" charset="0"/>
+                <a:cs typeface="Khmer OS Battambang" panose="02000500000000020004" pitchFamily="2" charset="0"/>
+              </a:rPr>
+              <a:t>សម្រាប់បង្កើត </a:t>
+            </a:r>
+            <a:r>
+              <a:rPr lang="en-US" dirty="0" smtClean="0">
+                <a:latin typeface="Khmer OS Battambang" panose="02000500000000020004" pitchFamily="2" charset="0"/>
+                <a:cs typeface="Khmer OS Battambang" panose="02000500000000020004" pitchFamily="2" charset="0"/>
+              </a:rPr>
+              <a:t>Button “ </a:t>
+            </a:r>
+            <a:r>
+              <a:rPr lang="en-US" dirty="0">
+                <a:solidFill>
+                  <a:srgbClr val="FFFF00"/>
+                </a:solidFill>
+                <a:latin typeface="Khmer OS Battambang" panose="02000500000000020004" pitchFamily="2" charset="0"/>
+                <a:cs typeface="Khmer OS Battambang" panose="02000500000000020004" pitchFamily="2" charset="0"/>
+              </a:rPr>
+              <a:t>8</a:t>
+            </a:r>
+            <a:r>
+              <a:rPr lang="en-US" dirty="0" smtClean="0">
+                <a:latin typeface="Khmer OS Battambang" panose="02000500000000020004" pitchFamily="2" charset="0"/>
+                <a:cs typeface="Khmer OS Battambang" panose="02000500000000020004" pitchFamily="2" charset="0"/>
+              </a:rPr>
+              <a:t> “ </a:t>
+            </a:r>
+            <a:endParaRPr lang="en-US" dirty="0">
+              <a:latin typeface="Khmer OS Battambang" panose="02000500000000020004" pitchFamily="2" charset="0"/>
+              <a:cs typeface="Khmer OS Battambang" panose="02000500000000020004" pitchFamily="2" charset="0"/>
+            </a:endParaRPr>
+          </a:p>
+        </p:txBody>
+      </p:sp>
+      <p:sp>
+        <p:nvSpPr>
+          <p:cNvPr id="14" name="TextBox 13"/>
+          <p:cNvSpPr txBox="1"/>
+          <p:nvPr/>
+        </p:nvSpPr>
+        <p:spPr>
+          <a:xfrm>
+            <a:off x="2401682" y="1472836"/>
+            <a:ext cx="7580518" cy="369332"/>
+          </a:xfrm>
+          <a:prstGeom prst="rect">
+            <a:avLst/>
+          </a:prstGeom>
+          <a:noFill/>
+        </p:spPr>
+        <p:txBody>
+          <a:bodyPr wrap="square" rtlCol="0">
+            <a:spAutoFit/>
+          </a:bodyPr>
+          <a:lstStyle/>
+          <a:p>
+            <a:r>
+              <a:rPr lang="km-KH" dirty="0" smtClean="0">
+                <a:latin typeface="Khmer OS Battambang" panose="02000500000000020004" pitchFamily="2" charset="0"/>
+                <a:cs typeface="Khmer OS Battambang" panose="02000500000000020004" pitchFamily="2" charset="0"/>
+              </a:rPr>
+              <a:t>សម្រាប់បង្កើត </a:t>
+            </a:r>
+            <a:r>
+              <a:rPr lang="en-US" dirty="0" smtClean="0">
+                <a:latin typeface="Khmer OS Battambang" panose="02000500000000020004" pitchFamily="2" charset="0"/>
+                <a:cs typeface="Khmer OS Battambang" panose="02000500000000020004" pitchFamily="2" charset="0"/>
+              </a:rPr>
+              <a:t>Button “ </a:t>
+            </a:r>
+            <a:r>
+              <a:rPr lang="en-US" dirty="0">
+                <a:solidFill>
+                  <a:srgbClr val="FFFF00"/>
+                </a:solidFill>
+                <a:latin typeface="Khmer OS Battambang" panose="02000500000000020004" pitchFamily="2" charset="0"/>
+                <a:cs typeface="Khmer OS Battambang" panose="02000500000000020004" pitchFamily="2" charset="0"/>
+              </a:rPr>
+              <a:t>9</a:t>
+            </a:r>
+            <a:r>
+              <a:rPr lang="en-US" dirty="0" smtClean="0">
+                <a:latin typeface="Khmer OS Battambang" panose="02000500000000020004" pitchFamily="2" charset="0"/>
+                <a:cs typeface="Khmer OS Battambang" panose="02000500000000020004" pitchFamily="2" charset="0"/>
+              </a:rPr>
+              <a:t> “ </a:t>
+            </a:r>
+            <a:endParaRPr lang="en-US" dirty="0">
+              <a:latin typeface="Khmer OS Battambang" panose="02000500000000020004" pitchFamily="2" charset="0"/>
+              <a:cs typeface="Khmer OS Battambang" panose="02000500000000020004" pitchFamily="2" charset="0"/>
+            </a:endParaRPr>
+          </a:p>
+        </p:txBody>
+      </p:sp>
+      <p:sp>
+        <p:nvSpPr>
+          <p:cNvPr id="15" name="TextBox 14"/>
+          <p:cNvSpPr txBox="1"/>
+          <p:nvPr/>
+        </p:nvSpPr>
+        <p:spPr>
+          <a:xfrm>
+            <a:off x="2401682" y="1064733"/>
+            <a:ext cx="7580518" cy="369332"/>
+          </a:xfrm>
+          <a:prstGeom prst="rect">
+            <a:avLst/>
+          </a:prstGeom>
+          <a:noFill/>
+        </p:spPr>
+        <p:txBody>
+          <a:bodyPr wrap="square" rtlCol="0">
+            <a:spAutoFit/>
+          </a:bodyPr>
+          <a:lstStyle/>
+          <a:p>
+            <a:r>
+              <a:rPr lang="km-KH" dirty="0" smtClean="0">
+                <a:latin typeface="Khmer OS Battambang" panose="02000500000000020004" pitchFamily="2" charset="0"/>
+                <a:cs typeface="Khmer OS Battambang" panose="02000500000000020004" pitchFamily="2" charset="0"/>
+              </a:rPr>
+              <a:t>សម្រាប់បង្កើត </a:t>
+            </a:r>
+            <a:r>
+              <a:rPr lang="en-US" dirty="0" smtClean="0">
+                <a:latin typeface="Khmer OS Battambang" panose="02000500000000020004" pitchFamily="2" charset="0"/>
+                <a:cs typeface="Khmer OS Battambang" panose="02000500000000020004" pitchFamily="2" charset="0"/>
+              </a:rPr>
+              <a:t>Button “ </a:t>
+            </a:r>
+            <a:r>
+              <a:rPr lang="en-US" dirty="0">
+                <a:solidFill>
+                  <a:srgbClr val="FFFF00"/>
+                </a:solidFill>
+                <a:latin typeface="Khmer OS Battambang" panose="02000500000000020004" pitchFamily="2" charset="0"/>
+                <a:cs typeface="Khmer OS Battambang" panose="02000500000000020004" pitchFamily="2" charset="0"/>
+              </a:rPr>
+              <a:t>0</a:t>
+            </a:r>
+            <a:r>
+              <a:rPr lang="en-US" dirty="0" smtClean="0">
+                <a:latin typeface="Khmer OS Battambang" panose="02000500000000020004" pitchFamily="2" charset="0"/>
+                <a:cs typeface="Khmer OS Battambang" panose="02000500000000020004" pitchFamily="2" charset="0"/>
+              </a:rPr>
+              <a:t> “ </a:t>
+            </a:r>
+            <a:endParaRPr lang="en-US" dirty="0">
+              <a:latin typeface="Khmer OS Battambang" panose="02000500000000020004" pitchFamily="2" charset="0"/>
+              <a:cs typeface="Khmer OS Battambang" panose="02000500000000020004" pitchFamily="2" charset="0"/>
+            </a:endParaRPr>
+          </a:p>
+        </p:txBody>
+      </p:sp>
+      <p:sp>
+        <p:nvSpPr>
+          <p:cNvPr id="16" name="TextBox 15"/>
+          <p:cNvSpPr txBox="1"/>
+          <p:nvPr/>
+        </p:nvSpPr>
+        <p:spPr>
+          <a:xfrm>
+            <a:off x="2401681" y="195634"/>
+            <a:ext cx="7580518" cy="369332"/>
+          </a:xfrm>
+          <a:prstGeom prst="rect">
+            <a:avLst/>
+          </a:prstGeom>
+          <a:noFill/>
+        </p:spPr>
+        <p:txBody>
+          <a:bodyPr wrap="square" rtlCol="0">
+            <a:spAutoFit/>
+          </a:bodyPr>
+          <a:lstStyle/>
+          <a:p>
+            <a:r>
+              <a:rPr lang="km-KH" dirty="0" smtClean="0">
+                <a:latin typeface="Khmer OS" panose="02000500000000020004" pitchFamily="2" charset="0"/>
+                <a:cs typeface="Khmer OS" panose="02000500000000020004" pitchFamily="2" charset="0"/>
+              </a:rPr>
+              <a:t>បង្ហាញ</a:t>
+            </a:r>
+            <a:r>
+              <a:rPr lang="en-US" dirty="0" smtClean="0">
+                <a:latin typeface="Khmer OS" panose="02000500000000020004" pitchFamily="2" charset="0"/>
+                <a:cs typeface="Khmer OS" panose="02000500000000020004" pitchFamily="2" charset="0"/>
+              </a:rPr>
+              <a:t> GUI </a:t>
+            </a:r>
+            <a:r>
+              <a:rPr lang="km-KH" dirty="0" smtClean="0">
+                <a:latin typeface="Khmer OS" panose="02000500000000020004" pitchFamily="2" charset="0"/>
+                <a:cs typeface="Khmer OS" panose="02000500000000020004" pitchFamily="2" charset="0"/>
+              </a:rPr>
+              <a:t>លើ</a:t>
+            </a:r>
+            <a:r>
+              <a:rPr lang="en-US" dirty="0" smtClean="0">
+                <a:latin typeface="Khmer OS" panose="02000500000000020004" pitchFamily="2" charset="0"/>
+                <a:cs typeface="Khmer OS" panose="02000500000000020004" pitchFamily="2" charset="0"/>
+              </a:rPr>
+              <a:t> Screen</a:t>
+            </a:r>
+            <a:endParaRPr lang="en-US" dirty="0">
+              <a:latin typeface="Khmer OS Battambang" panose="02000500000000020004" pitchFamily="2" charset="0"/>
+              <a:cs typeface="Khmer OS Battambang" panose="02000500000000020004" pitchFamily="2" charset="0"/>
+            </a:endParaRPr>
+          </a:p>
+        </p:txBody>
+      </p:sp>
+      <p:cxnSp>
+        <p:nvCxnSpPr>
+          <p:cNvPr id="18" name="Elbow Connector 17"/>
+          <p:cNvCxnSpPr>
+            <a:stCxn id="6" idx="1"/>
+            <a:endCxn id="12" idx="1"/>
+          </p:cNvCxnSpPr>
+          <p:nvPr/>
+        </p:nvCxnSpPr>
+        <p:spPr>
+          <a:xfrm rot="10800000">
+            <a:off x="2401683" y="2473709"/>
+            <a:ext cx="47993" cy="716379"/>
+          </a:xfrm>
+          <a:prstGeom prst="bentConnector3">
+            <a:avLst>
+              <a:gd name="adj1" fmla="val 496933"/>
+            </a:avLst>
+          </a:prstGeom>
+          <a:ln w="28575">
+            <a:solidFill>
+              <a:srgbClr val="FF0000"/>
+            </a:solidFill>
+            <a:tailEnd type="triangle"/>
+          </a:ln>
+        </p:spPr>
+        <p:style>
+          <a:lnRef idx="1">
+            <a:schemeClr val="accent1"/>
+          </a:lnRef>
+          <a:fillRef idx="0">
+            <a:schemeClr val="accent1"/>
+          </a:fillRef>
+          <a:effectRef idx="0">
+            <a:schemeClr val="accent1"/>
+          </a:effectRef>
+          <a:fontRef idx="minor">
+            <a:schemeClr val="tx1"/>
+          </a:fontRef>
+        </p:style>
+      </p:cxnSp>
+      <p:cxnSp>
+        <p:nvCxnSpPr>
+          <p:cNvPr id="22" name="Elbow Connector 21"/>
+          <p:cNvCxnSpPr>
+            <a:stCxn id="7" idx="1"/>
+            <a:endCxn id="13" idx="1"/>
+          </p:cNvCxnSpPr>
+          <p:nvPr/>
+        </p:nvCxnSpPr>
+        <p:spPr>
+          <a:xfrm rot="10800000">
+            <a:off x="2401683" y="2065606"/>
+            <a:ext cx="47993" cy="1707527"/>
+          </a:xfrm>
+          <a:prstGeom prst="bentConnector3">
+            <a:avLst>
+              <a:gd name="adj1" fmla="val 867404"/>
+            </a:avLst>
+          </a:prstGeom>
+          <a:ln w="28575">
+            <a:solidFill>
+              <a:srgbClr val="FF0000"/>
+            </a:solidFill>
+            <a:tailEnd type="triangle"/>
+          </a:ln>
+        </p:spPr>
+        <p:style>
+          <a:lnRef idx="1">
+            <a:schemeClr val="accent1"/>
+          </a:lnRef>
+          <a:fillRef idx="0">
+            <a:schemeClr val="accent1"/>
+          </a:fillRef>
+          <a:effectRef idx="0">
+            <a:schemeClr val="accent1"/>
+          </a:effectRef>
+          <a:fontRef idx="minor">
+            <a:schemeClr val="tx1"/>
+          </a:fontRef>
+        </p:style>
+      </p:cxnSp>
+      <p:cxnSp>
+        <p:nvCxnSpPr>
+          <p:cNvPr id="26" name="Elbow Connector 25"/>
+          <p:cNvCxnSpPr>
+            <a:stCxn id="8" idx="1"/>
+            <a:endCxn id="14" idx="1"/>
+          </p:cNvCxnSpPr>
+          <p:nvPr/>
+        </p:nvCxnSpPr>
+        <p:spPr>
+          <a:xfrm rot="10800000">
+            <a:off x="2401682" y="1657502"/>
+            <a:ext cx="47992" cy="2705996"/>
+          </a:xfrm>
+          <a:prstGeom prst="bentConnector3">
+            <a:avLst>
+              <a:gd name="adj1" fmla="val 1237898"/>
+            </a:avLst>
+          </a:prstGeom>
+          <a:ln w="28575">
+            <a:solidFill>
+              <a:srgbClr val="FF0000"/>
+            </a:solidFill>
+            <a:tailEnd type="triangle"/>
+          </a:ln>
+        </p:spPr>
+        <p:style>
+          <a:lnRef idx="1">
+            <a:schemeClr val="accent1"/>
+          </a:lnRef>
+          <a:fillRef idx="0">
+            <a:schemeClr val="accent1"/>
+          </a:fillRef>
+          <a:effectRef idx="0">
+            <a:schemeClr val="accent1"/>
+          </a:effectRef>
+          <a:fontRef idx="minor">
+            <a:schemeClr val="tx1"/>
+          </a:fontRef>
+        </p:style>
+      </p:cxnSp>
+      <p:cxnSp>
+        <p:nvCxnSpPr>
+          <p:cNvPr id="30" name="Elbow Connector 29"/>
+          <p:cNvCxnSpPr>
+            <a:stCxn id="9" idx="1"/>
+            <a:endCxn id="15" idx="1"/>
+          </p:cNvCxnSpPr>
+          <p:nvPr/>
+        </p:nvCxnSpPr>
+        <p:spPr>
+          <a:xfrm rot="10800000">
+            <a:off x="2401683" y="1249399"/>
+            <a:ext cx="47991" cy="3689688"/>
+          </a:xfrm>
+          <a:prstGeom prst="bentConnector3">
+            <a:avLst>
+              <a:gd name="adj1" fmla="val 1661334"/>
+            </a:avLst>
+          </a:prstGeom>
+          <a:ln w="28575">
+            <a:solidFill>
+              <a:srgbClr val="FF0000"/>
+            </a:solidFill>
+            <a:tailEnd type="triangle"/>
+          </a:ln>
+        </p:spPr>
+        <p:style>
+          <a:lnRef idx="1">
+            <a:schemeClr val="accent1"/>
+          </a:lnRef>
+          <a:fillRef idx="0">
+            <a:schemeClr val="accent1"/>
+          </a:fillRef>
+          <a:effectRef idx="0">
+            <a:schemeClr val="accent1"/>
+          </a:effectRef>
+          <a:fontRef idx="minor">
+            <a:schemeClr val="tx1"/>
+          </a:fontRef>
+        </p:style>
+      </p:cxnSp>
+      <p:cxnSp>
+        <p:nvCxnSpPr>
+          <p:cNvPr id="33" name="Elbow Connector 32"/>
+          <p:cNvCxnSpPr>
+            <a:stCxn id="10" idx="1"/>
+            <a:endCxn id="34" idx="1"/>
+          </p:cNvCxnSpPr>
+          <p:nvPr/>
+        </p:nvCxnSpPr>
+        <p:spPr>
+          <a:xfrm rot="10800000">
+            <a:off x="2401681" y="880863"/>
+            <a:ext cx="47992" cy="4651534"/>
+          </a:xfrm>
+          <a:prstGeom prst="bentConnector3">
+            <a:avLst>
+              <a:gd name="adj1" fmla="val 2111169"/>
+            </a:avLst>
+          </a:prstGeom>
+          <a:ln w="28575">
+            <a:solidFill>
+              <a:srgbClr val="FF0000"/>
+            </a:solidFill>
+            <a:tailEnd type="triangle"/>
+          </a:ln>
+        </p:spPr>
+        <p:style>
+          <a:lnRef idx="1">
+            <a:schemeClr val="accent1"/>
+          </a:lnRef>
+          <a:fillRef idx="0">
+            <a:schemeClr val="accent1"/>
+          </a:fillRef>
+          <a:effectRef idx="0">
+            <a:schemeClr val="accent1"/>
+          </a:effectRef>
+          <a:fontRef idx="minor">
+            <a:schemeClr val="tx1"/>
+          </a:fontRef>
+        </p:style>
+      </p:cxnSp>
+      <p:sp>
+        <p:nvSpPr>
+          <p:cNvPr id="34" name="TextBox 33"/>
+          <p:cNvSpPr txBox="1"/>
+          <p:nvPr/>
+        </p:nvSpPr>
+        <p:spPr>
+          <a:xfrm>
+            <a:off x="2401681" y="696197"/>
+            <a:ext cx="7580518" cy="369332"/>
+          </a:xfrm>
+          <a:prstGeom prst="rect">
+            <a:avLst/>
+          </a:prstGeom>
+          <a:noFill/>
+        </p:spPr>
+        <p:txBody>
+          <a:bodyPr wrap="square" rtlCol="0">
+            <a:spAutoFit/>
+          </a:bodyPr>
+          <a:lstStyle/>
+          <a:p>
+            <a:r>
+              <a:rPr lang="km-KH" dirty="0" smtClean="0">
+                <a:latin typeface="Khmer OS Battambang" panose="02000500000000020004" pitchFamily="2" charset="0"/>
+                <a:cs typeface="Khmer OS Battambang" panose="02000500000000020004" pitchFamily="2" charset="0"/>
+              </a:rPr>
+              <a:t>សម្រាប់បង្កើត </a:t>
+            </a:r>
+            <a:r>
+              <a:rPr lang="en-US" dirty="0" smtClean="0">
+                <a:latin typeface="Khmer OS Battambang" panose="02000500000000020004" pitchFamily="2" charset="0"/>
+                <a:cs typeface="Khmer OS Battambang" panose="02000500000000020004" pitchFamily="2" charset="0"/>
+              </a:rPr>
+              <a:t>Button “ </a:t>
+            </a:r>
+            <a:r>
+              <a:rPr lang="en-US" dirty="0" smtClean="0">
+                <a:solidFill>
+                  <a:srgbClr val="FFFF00"/>
+                </a:solidFill>
+                <a:latin typeface="Khmer OS Battambang" panose="02000500000000020004" pitchFamily="2" charset="0"/>
+                <a:cs typeface="Khmer OS Battambang" panose="02000500000000020004" pitchFamily="2" charset="0"/>
+              </a:rPr>
+              <a:t>.</a:t>
+            </a:r>
+            <a:r>
+              <a:rPr lang="en-US" dirty="0" smtClean="0">
+                <a:latin typeface="Khmer OS Battambang" panose="02000500000000020004" pitchFamily="2" charset="0"/>
+                <a:cs typeface="Khmer OS Battambang" panose="02000500000000020004" pitchFamily="2" charset="0"/>
+              </a:rPr>
+              <a:t> “ </a:t>
+            </a:r>
+            <a:endParaRPr lang="en-US" dirty="0">
+              <a:latin typeface="Khmer OS Battambang" panose="02000500000000020004" pitchFamily="2" charset="0"/>
+              <a:cs typeface="Khmer OS Battambang" panose="02000500000000020004" pitchFamily="2" charset="0"/>
+            </a:endParaRPr>
+          </a:p>
+        </p:txBody>
+      </p:sp>
+      <p:cxnSp>
+        <p:nvCxnSpPr>
+          <p:cNvPr id="38" name="Elbow Connector 37"/>
+          <p:cNvCxnSpPr>
+            <a:stCxn id="11" idx="1"/>
+            <a:endCxn id="16" idx="1"/>
+          </p:cNvCxnSpPr>
+          <p:nvPr/>
+        </p:nvCxnSpPr>
+        <p:spPr>
+          <a:xfrm rot="10800000">
+            <a:off x="2401681" y="380301"/>
+            <a:ext cx="47992" cy="6026343"/>
+          </a:xfrm>
+          <a:prstGeom prst="bentConnector3">
+            <a:avLst>
+              <a:gd name="adj1" fmla="val 2587498"/>
+            </a:avLst>
+          </a:prstGeom>
+          <a:ln w="28575">
+            <a:solidFill>
+              <a:srgbClr val="FF0000"/>
+            </a:solidFill>
+            <a:tailEnd type="triangle"/>
+          </a:ln>
+        </p:spPr>
+        <p:style>
+          <a:lnRef idx="1">
+            <a:schemeClr val="accent1"/>
+          </a:lnRef>
+          <a:fillRef idx="0">
+            <a:schemeClr val="accent1"/>
+          </a:fillRef>
+          <a:effectRef idx="0">
+            <a:schemeClr val="accent1"/>
+          </a:effectRef>
+          <a:fontRef idx="minor">
+            <a:schemeClr val="tx1"/>
+          </a:fontRef>
+        </p:style>
+      </p:cxnSp>
+    </p:spTree>
+    <p:extLst>
+      <p:ext uri="{BB962C8B-B14F-4D97-AF65-F5344CB8AC3E}">
+        <p14:creationId xmlns:p14="http://schemas.microsoft.com/office/powerpoint/2010/main" val="1714060711"/>
+      </p:ext>
+    </p:extLst>
+  </p:cSld>
+  <p:clrMapOvr>
+    <a:masterClrMapping/>
+  </p:clrMapOvr>
+</p:sld>
+</file>
+
+<file path=ppt/slides/slide19.xml><?xml version="1.0" encoding="utf-8"?>
+<p:sld xmlns:a="http://schemas.openxmlformats.org/drawingml/2006/main" xmlns:r="http://schemas.openxmlformats.org/officeDocument/2006/relationships" xmlns:p="http://schemas.openxmlformats.org/presentationml/2006/main">
+  <p:cSld>
+    <p:spTree>
+      <p:nvGrpSpPr>
+        <p:cNvPr id="1" name=""/>
+        <p:cNvGrpSpPr/>
+        <p:nvPr/>
+      </p:nvGrpSpPr>
+      <p:grpSpPr>
+        <a:xfrm>
+          <a:off x="0" y="0"/>
+          <a:ext cx="0" cy="0"/>
+          <a:chOff x="0" y="0"/>
+          <a:chExt cx="0" cy="0"/>
+        </a:xfrm>
+      </p:grpSpPr>
+      <p:sp>
+        <p:nvSpPr>
+          <p:cNvPr id="4" name="Slide Number Placeholder 3"/>
+          <p:cNvSpPr>
+            <a:spLocks noGrp="1"/>
+          </p:cNvSpPr>
+          <p:nvPr>
+            <p:ph type="sldNum" sz="quarter" idx="12"/>
+          </p:nvPr>
+        </p:nvSpPr>
+        <p:spPr/>
+        <p:txBody>
+          <a:bodyPr/>
+          <a:lstStyle/>
+          <a:p>
+            <a:fld id="{C65BF232-D96C-4BCE-A65E-27CEBC75B45B}" type="slidenum">
+              <a:rPr lang="en-US" smtClean="0"/>
+              <a:t>19</a:t>
+            </a:fld>
+            <a:endParaRPr lang="en-US"/>
+          </a:p>
+        </p:txBody>
+      </p:sp>
+      <p:sp>
+        <p:nvSpPr>
+          <p:cNvPr id="5" name="TextBox 4"/>
+          <p:cNvSpPr txBox="1"/>
+          <p:nvPr/>
+        </p:nvSpPr>
+        <p:spPr>
+          <a:xfrm>
+            <a:off x="3976670" y="2828836"/>
+            <a:ext cx="4238661" cy="1200329"/>
+          </a:xfrm>
+          <a:prstGeom prst="rect">
+            <a:avLst/>
+          </a:prstGeom>
+          <a:noFill/>
+        </p:spPr>
+        <p:txBody>
+          <a:bodyPr wrap="none" rtlCol="0">
+            <a:spAutoFit/>
+          </a:bodyPr>
+          <a:lstStyle/>
+          <a:p>
+            <a:r>
+              <a:rPr lang="en-US" sz="7200" dirty="0" smtClean="0">
+                <a:latin typeface="Times New Roman" panose="02020603050405020304" pitchFamily="18" charset="0"/>
+                <a:cs typeface="Times New Roman" panose="02020603050405020304" pitchFamily="18" charset="0"/>
+              </a:rPr>
+              <a:t>Thank You</a:t>
+            </a:r>
+            <a:endParaRPr lang="en-US" sz="7200" dirty="0">
+              <a:latin typeface="Times New Roman" panose="02020603050405020304" pitchFamily="18" charset="0"/>
+              <a:cs typeface="Times New Roman" panose="02020603050405020304" pitchFamily="18" charset="0"/>
+            </a:endParaRPr>
+          </a:p>
+        </p:txBody>
+      </p:sp>
+    </p:spTree>
+    <p:extLst>
+      <p:ext uri="{BB962C8B-B14F-4D97-AF65-F5344CB8AC3E}">
+        <p14:creationId xmlns:p14="http://schemas.microsoft.com/office/powerpoint/2010/main" val="2656611720"/>
+      </p:ext>
+    </p:extLst>
+  </p:cSld>
+  <p:clrMapOvr>
+    <a:masterClrMapping/>
+  </p:clrMapOvr>
 </p:sld>
 </file>
 
